--- a/PPT/흐름도.pptx
+++ b/PPT/흐름도.pptx
@@ -259,7 +259,7 @@
           <a:p>
             <a:fld id="{72E1C2EB-F933-47A0-85E4-44D96AF277E0}" type="datetimeFigureOut">
               <a:rPr lang="ko-KR" altLang="en-US" smtClean="0"/>
-              <a:t>2022-05-12</a:t>
+              <a:t>2022-05-17</a:t>
             </a:fld>
             <a:endParaRPr lang="ko-KR" altLang="en-US"/>
           </a:p>
@@ -457,7 +457,7 @@
           <a:p>
             <a:fld id="{72E1C2EB-F933-47A0-85E4-44D96AF277E0}" type="datetimeFigureOut">
               <a:rPr lang="ko-KR" altLang="en-US" smtClean="0"/>
-              <a:t>2022-05-12</a:t>
+              <a:t>2022-05-17</a:t>
             </a:fld>
             <a:endParaRPr lang="ko-KR" altLang="en-US"/>
           </a:p>
@@ -665,7 +665,7 @@
           <a:p>
             <a:fld id="{72E1C2EB-F933-47A0-85E4-44D96AF277E0}" type="datetimeFigureOut">
               <a:rPr lang="ko-KR" altLang="en-US" smtClean="0"/>
-              <a:t>2022-05-12</a:t>
+              <a:t>2022-05-17</a:t>
             </a:fld>
             <a:endParaRPr lang="ko-KR" altLang="en-US"/>
           </a:p>
@@ -863,7 +863,7 @@
           <a:p>
             <a:fld id="{72E1C2EB-F933-47A0-85E4-44D96AF277E0}" type="datetimeFigureOut">
               <a:rPr lang="ko-KR" altLang="en-US" smtClean="0"/>
-              <a:t>2022-05-12</a:t>
+              <a:t>2022-05-17</a:t>
             </a:fld>
             <a:endParaRPr lang="ko-KR" altLang="en-US"/>
           </a:p>
@@ -1138,7 +1138,7 @@
           <a:p>
             <a:fld id="{72E1C2EB-F933-47A0-85E4-44D96AF277E0}" type="datetimeFigureOut">
               <a:rPr lang="ko-KR" altLang="en-US" smtClean="0"/>
-              <a:t>2022-05-12</a:t>
+              <a:t>2022-05-17</a:t>
             </a:fld>
             <a:endParaRPr lang="ko-KR" altLang="en-US"/>
           </a:p>
@@ -1403,7 +1403,7 @@
           <a:p>
             <a:fld id="{72E1C2EB-F933-47A0-85E4-44D96AF277E0}" type="datetimeFigureOut">
               <a:rPr lang="ko-KR" altLang="en-US" smtClean="0"/>
-              <a:t>2022-05-12</a:t>
+              <a:t>2022-05-17</a:t>
             </a:fld>
             <a:endParaRPr lang="ko-KR" altLang="en-US"/>
           </a:p>
@@ -1815,7 +1815,7 @@
           <a:p>
             <a:fld id="{72E1C2EB-F933-47A0-85E4-44D96AF277E0}" type="datetimeFigureOut">
               <a:rPr lang="ko-KR" altLang="en-US" smtClean="0"/>
-              <a:t>2022-05-12</a:t>
+              <a:t>2022-05-17</a:t>
             </a:fld>
             <a:endParaRPr lang="ko-KR" altLang="en-US"/>
           </a:p>
@@ -1956,7 +1956,7 @@
           <a:p>
             <a:fld id="{72E1C2EB-F933-47A0-85E4-44D96AF277E0}" type="datetimeFigureOut">
               <a:rPr lang="ko-KR" altLang="en-US" smtClean="0"/>
-              <a:t>2022-05-12</a:t>
+              <a:t>2022-05-17</a:t>
             </a:fld>
             <a:endParaRPr lang="ko-KR" altLang="en-US"/>
           </a:p>
@@ -2069,7 +2069,7 @@
           <a:p>
             <a:fld id="{72E1C2EB-F933-47A0-85E4-44D96AF277E0}" type="datetimeFigureOut">
               <a:rPr lang="ko-KR" altLang="en-US" smtClean="0"/>
-              <a:t>2022-05-12</a:t>
+              <a:t>2022-05-17</a:t>
             </a:fld>
             <a:endParaRPr lang="ko-KR" altLang="en-US"/>
           </a:p>
@@ -2380,7 +2380,7 @@
           <a:p>
             <a:fld id="{72E1C2EB-F933-47A0-85E4-44D96AF277E0}" type="datetimeFigureOut">
               <a:rPr lang="ko-KR" altLang="en-US" smtClean="0"/>
-              <a:t>2022-05-12</a:t>
+              <a:t>2022-05-17</a:t>
             </a:fld>
             <a:endParaRPr lang="ko-KR" altLang="en-US"/>
           </a:p>
@@ -2668,7 +2668,7 @@
           <a:p>
             <a:fld id="{72E1C2EB-F933-47A0-85E4-44D96AF277E0}" type="datetimeFigureOut">
               <a:rPr lang="ko-KR" altLang="en-US" smtClean="0"/>
-              <a:t>2022-05-12</a:t>
+              <a:t>2022-05-17</a:t>
             </a:fld>
             <a:endParaRPr lang="ko-KR" altLang="en-US"/>
           </a:p>
@@ -2909,7 +2909,7 @@
           <a:p>
             <a:fld id="{72E1C2EB-F933-47A0-85E4-44D96AF277E0}" type="datetimeFigureOut">
               <a:rPr lang="ko-KR" altLang="en-US" smtClean="0"/>
-              <a:t>2022-05-12</a:t>
+              <a:t>2022-05-17</a:t>
             </a:fld>
             <a:endParaRPr lang="ko-KR" altLang="en-US"/>
           </a:p>
@@ -3399,8 +3399,8 @@
         </p:nvSpPr>
         <p:spPr>
           <a:xfrm>
-            <a:off x="2784167" y="5418835"/>
-            <a:ext cx="2808107" cy="1083085"/>
+            <a:off x="1239892" y="5098357"/>
+            <a:ext cx="3963787" cy="1505538"/>
           </a:xfrm>
           <a:prstGeom prst="rect">
             <a:avLst/>
@@ -3444,836 +3444,12 @@
           </a:p>
         </p:txBody>
       </p:sp>
-      <p:sp>
-        <p:nvSpPr>
-          <p:cNvPr id="4" name="직사각형 3">
-            <a:extLst>
-              <a:ext uri="{FF2B5EF4-FFF2-40B4-BE49-F238E27FC236}">
-                <a16:creationId xmlns:a16="http://schemas.microsoft.com/office/drawing/2014/main" id="{F6D0AF4A-277D-0647-6365-86236C761731}"/>
-              </a:ext>
-            </a:extLst>
-          </p:cNvPr>
-          <p:cNvSpPr/>
-          <p:nvPr/>
-        </p:nvSpPr>
-        <p:spPr>
-          <a:xfrm>
-            <a:off x="937719" y="5008755"/>
-            <a:ext cx="1996068" cy="1137427"/>
-          </a:xfrm>
-          <a:prstGeom prst="rect">
-            <a:avLst/>
-          </a:prstGeom>
-        </p:spPr>
-        <p:style>
-          <a:lnRef idx="2">
-            <a:schemeClr val="accent1">
-              <a:shade val="50000"/>
-            </a:schemeClr>
-          </a:lnRef>
-          <a:fillRef idx="1">
-            <a:schemeClr val="accent1"/>
-          </a:fillRef>
-          <a:effectRef idx="0">
-            <a:schemeClr val="accent1"/>
-          </a:effectRef>
-          <a:fontRef idx="minor">
-            <a:schemeClr val="lt1"/>
-          </a:fontRef>
-        </p:style>
-        <p:txBody>
-          <a:bodyPr rtlCol="0" anchor="ctr"/>
-          <a:lstStyle/>
-          <a:p>
-            <a:pPr algn="ctr"/>
-            <a:r>
-              <a:rPr lang="en-US" altLang="ko-KR" dirty="0" err="1"/>
-              <a:t>myPageIndex.jsp</a:t>
-            </a:r>
-            <a:endParaRPr lang="ko-KR" altLang="en-US" dirty="0"/>
-          </a:p>
-        </p:txBody>
-      </p:sp>
-      <p:sp>
-        <p:nvSpPr>
-          <p:cNvPr id="5" name="직사각형 4">
-            <a:extLst>
-              <a:ext uri="{FF2B5EF4-FFF2-40B4-BE49-F238E27FC236}">
-                <a16:creationId xmlns:a16="http://schemas.microsoft.com/office/drawing/2014/main" id="{26E7723F-7C7E-A248-BE57-F3DBC1CADFA4}"/>
-              </a:ext>
-            </a:extLst>
-          </p:cNvPr>
-          <p:cNvSpPr/>
-          <p:nvPr/>
-        </p:nvSpPr>
-        <p:spPr>
-          <a:xfrm>
-            <a:off x="1557459" y="3145448"/>
-            <a:ext cx="1191212" cy="732866"/>
-          </a:xfrm>
-          <a:prstGeom prst="rect">
-            <a:avLst/>
-          </a:prstGeom>
-        </p:spPr>
-        <p:style>
-          <a:lnRef idx="2">
-            <a:schemeClr val="accent1">
-              <a:shade val="50000"/>
-            </a:schemeClr>
-          </a:lnRef>
-          <a:fillRef idx="1">
-            <a:schemeClr val="accent1"/>
-          </a:fillRef>
-          <a:effectRef idx="0">
-            <a:schemeClr val="accent1"/>
-          </a:effectRef>
-          <a:fontRef idx="minor">
-            <a:schemeClr val="lt1"/>
-          </a:fontRef>
-        </p:style>
-        <p:txBody>
-          <a:bodyPr rtlCol="0" anchor="ctr"/>
-          <a:lstStyle/>
-          <a:p>
-            <a:pPr algn="ctr"/>
-            <a:r>
-              <a:rPr lang="en-US" altLang="ko-KR" dirty="0" err="1"/>
-              <a:t>login.jsp</a:t>
-            </a:r>
-            <a:endParaRPr lang="ko-KR" altLang="en-US" dirty="0"/>
-          </a:p>
-        </p:txBody>
-      </p:sp>
-      <p:sp>
-        <p:nvSpPr>
-          <p:cNvPr id="6" name="직사각형 5">
-            <a:extLst>
-              <a:ext uri="{FF2B5EF4-FFF2-40B4-BE49-F238E27FC236}">
-                <a16:creationId xmlns:a16="http://schemas.microsoft.com/office/drawing/2014/main" id="{2AFE117E-7E44-2A2B-4407-58127DE7AC94}"/>
-              </a:ext>
-            </a:extLst>
-          </p:cNvPr>
-          <p:cNvSpPr/>
-          <p:nvPr/>
-        </p:nvSpPr>
-        <p:spPr>
-          <a:xfrm>
-            <a:off x="2966422" y="2855573"/>
-            <a:ext cx="1229804" cy="617170"/>
-          </a:xfrm>
-          <a:prstGeom prst="rect">
-            <a:avLst/>
-          </a:prstGeom>
-        </p:spPr>
-        <p:style>
-          <a:lnRef idx="2">
-            <a:schemeClr val="accent1">
-              <a:shade val="50000"/>
-            </a:schemeClr>
-          </a:lnRef>
-          <a:fillRef idx="1">
-            <a:schemeClr val="accent1"/>
-          </a:fillRef>
-          <a:effectRef idx="0">
-            <a:schemeClr val="accent1"/>
-          </a:effectRef>
-          <a:fontRef idx="minor">
-            <a:schemeClr val="lt1"/>
-          </a:fontRef>
-        </p:style>
-        <p:txBody>
-          <a:bodyPr rtlCol="0" anchor="ctr"/>
-          <a:lstStyle/>
-          <a:p>
-            <a:pPr algn="ctr"/>
-            <a:r>
-              <a:rPr lang="en-US" altLang="ko-KR" dirty="0" err="1"/>
-              <a:t>join.jsp</a:t>
-            </a:r>
-            <a:endParaRPr lang="ko-KR" altLang="en-US" dirty="0"/>
-          </a:p>
-        </p:txBody>
-      </p:sp>
-      <p:sp>
-        <p:nvSpPr>
-          <p:cNvPr id="7" name="직사각형 6">
-            <a:extLst>
-              <a:ext uri="{FF2B5EF4-FFF2-40B4-BE49-F238E27FC236}">
-                <a16:creationId xmlns:a16="http://schemas.microsoft.com/office/drawing/2014/main" id="{7087F657-B2E8-A3E6-6A80-B313CE14346A}"/>
-              </a:ext>
-            </a:extLst>
-          </p:cNvPr>
-          <p:cNvSpPr/>
-          <p:nvPr/>
-        </p:nvSpPr>
-        <p:spPr>
-          <a:xfrm>
-            <a:off x="22742" y="2833815"/>
-            <a:ext cx="1386800" cy="957570"/>
-          </a:xfrm>
-          <a:prstGeom prst="rect">
-            <a:avLst/>
-          </a:prstGeom>
-        </p:spPr>
-        <p:style>
-          <a:lnRef idx="2">
-            <a:schemeClr val="accent1">
-              <a:shade val="50000"/>
-            </a:schemeClr>
-          </a:lnRef>
-          <a:fillRef idx="1">
-            <a:schemeClr val="accent1"/>
-          </a:fillRef>
-          <a:effectRef idx="0">
-            <a:schemeClr val="accent1"/>
-          </a:effectRef>
-          <a:fontRef idx="minor">
-            <a:schemeClr val="lt1"/>
-          </a:fontRef>
-        </p:style>
-        <p:txBody>
-          <a:bodyPr rtlCol="0" anchor="ctr"/>
-          <a:lstStyle/>
-          <a:p>
-            <a:pPr algn="ctr"/>
-            <a:r>
-              <a:rPr lang="en-US" altLang="ko-KR" dirty="0" err="1"/>
-              <a:t>search.jsp</a:t>
-            </a:r>
-            <a:endParaRPr lang="en-US" altLang="ko-KR" dirty="0"/>
-          </a:p>
-          <a:p>
-            <a:pPr algn="ctr"/>
-            <a:r>
-              <a:rPr lang="en-US" altLang="ko-KR" dirty="0"/>
-              <a:t>(ID/PW</a:t>
-            </a:r>
-            <a:r>
-              <a:rPr lang="ko-KR" altLang="en-US" dirty="0"/>
-              <a:t>찾기</a:t>
-            </a:r>
-            <a:r>
-              <a:rPr lang="en-US" altLang="ko-KR" dirty="0"/>
-              <a:t>)</a:t>
-            </a:r>
-            <a:endParaRPr lang="ko-KR" altLang="en-US" dirty="0"/>
-          </a:p>
-        </p:txBody>
-      </p:sp>
-      <p:sp>
-        <p:nvSpPr>
-          <p:cNvPr id="8" name="직사각형 7">
-            <a:extLst>
-              <a:ext uri="{FF2B5EF4-FFF2-40B4-BE49-F238E27FC236}">
-                <a16:creationId xmlns:a16="http://schemas.microsoft.com/office/drawing/2014/main" id="{951E3983-FB04-CC2E-E485-DD7DD08E7D93}"/>
-              </a:ext>
-            </a:extLst>
-          </p:cNvPr>
-          <p:cNvSpPr/>
-          <p:nvPr/>
-        </p:nvSpPr>
-        <p:spPr>
-          <a:xfrm>
-            <a:off x="1301555" y="1037105"/>
-            <a:ext cx="1268396" cy="1304693"/>
-          </a:xfrm>
-          <a:prstGeom prst="rect">
-            <a:avLst/>
-          </a:prstGeom>
-        </p:spPr>
-        <p:style>
-          <a:lnRef idx="2">
-            <a:schemeClr val="accent1">
-              <a:shade val="50000"/>
-            </a:schemeClr>
-          </a:lnRef>
-          <a:fillRef idx="1">
-            <a:schemeClr val="accent1"/>
-          </a:fillRef>
-          <a:effectRef idx="0">
-            <a:schemeClr val="accent1"/>
-          </a:effectRef>
-          <a:fontRef idx="minor">
-            <a:schemeClr val="lt1"/>
-          </a:fontRef>
-        </p:style>
-        <p:txBody>
-          <a:bodyPr rtlCol="0" anchor="ctr"/>
-          <a:lstStyle/>
-          <a:p>
-            <a:pPr algn="ctr"/>
-            <a:r>
-              <a:rPr lang="en-US" altLang="ko-KR" dirty="0" err="1"/>
-              <a:t>home.jsp</a:t>
-            </a:r>
-            <a:endParaRPr lang="ko-KR" altLang="en-US" dirty="0"/>
-          </a:p>
-        </p:txBody>
-      </p:sp>
-      <p:sp>
-        <p:nvSpPr>
-          <p:cNvPr id="9" name="직사각형 8">
-            <a:extLst>
-              <a:ext uri="{FF2B5EF4-FFF2-40B4-BE49-F238E27FC236}">
-                <a16:creationId xmlns:a16="http://schemas.microsoft.com/office/drawing/2014/main" id="{83EFFACF-D166-A7F6-CBB1-6D01F3FEB36A}"/>
-              </a:ext>
-            </a:extLst>
-          </p:cNvPr>
-          <p:cNvSpPr/>
-          <p:nvPr/>
-        </p:nvSpPr>
-        <p:spPr>
-          <a:xfrm>
-            <a:off x="3079949" y="5115823"/>
-            <a:ext cx="2141636" cy="732865"/>
-          </a:xfrm>
-          <a:prstGeom prst="rect">
-            <a:avLst/>
-          </a:prstGeom>
-          <a:solidFill>
-            <a:schemeClr val="accent6">
-              <a:lumMod val="75000"/>
-            </a:schemeClr>
-          </a:solidFill>
-          <a:ln>
-            <a:solidFill>
-              <a:schemeClr val="accent2">
-                <a:lumMod val="40000"/>
-                <a:lumOff val="60000"/>
-              </a:schemeClr>
-            </a:solidFill>
-          </a:ln>
-        </p:spPr>
-        <p:style>
-          <a:lnRef idx="2">
-            <a:schemeClr val="accent1">
-              <a:shade val="50000"/>
-            </a:schemeClr>
-          </a:lnRef>
-          <a:fillRef idx="1">
-            <a:schemeClr val="accent1"/>
-          </a:fillRef>
-          <a:effectRef idx="0">
-            <a:schemeClr val="accent1"/>
-          </a:effectRef>
-          <a:fontRef idx="minor">
-            <a:schemeClr val="lt1"/>
-          </a:fontRef>
-        </p:style>
-        <p:txBody>
-          <a:bodyPr rtlCol="0" anchor="ctr"/>
-          <a:lstStyle/>
-          <a:p>
-            <a:pPr algn="ctr"/>
-            <a:r>
-              <a:rPr lang="en-US" altLang="ko-KR" dirty="0" err="1"/>
-              <a:t>memberLikes.jsp</a:t>
-            </a:r>
-            <a:endParaRPr lang="en-US" altLang="ko-KR" dirty="0"/>
-          </a:p>
-        </p:txBody>
-      </p:sp>
-      <p:sp>
-        <p:nvSpPr>
-          <p:cNvPr id="10" name="직사각형 9">
-            <a:extLst>
-              <a:ext uri="{FF2B5EF4-FFF2-40B4-BE49-F238E27FC236}">
-                <a16:creationId xmlns:a16="http://schemas.microsoft.com/office/drawing/2014/main" id="{71C92CA1-5115-AC55-A8FC-0E80ABC47F06}"/>
-              </a:ext>
-            </a:extLst>
-          </p:cNvPr>
-          <p:cNvSpPr/>
-          <p:nvPr/>
-        </p:nvSpPr>
-        <p:spPr>
-          <a:xfrm>
-            <a:off x="3060353" y="5955958"/>
-            <a:ext cx="2180828" cy="732865"/>
-          </a:xfrm>
-          <a:prstGeom prst="rect">
-            <a:avLst/>
-          </a:prstGeom>
-          <a:solidFill>
-            <a:schemeClr val="accent6">
-              <a:lumMod val="75000"/>
-            </a:schemeClr>
-          </a:solidFill>
-          <a:ln>
-            <a:solidFill>
-              <a:schemeClr val="accent2">
-                <a:lumMod val="40000"/>
-                <a:lumOff val="60000"/>
-              </a:schemeClr>
-            </a:solidFill>
-          </a:ln>
-        </p:spPr>
-        <p:style>
-          <a:lnRef idx="2">
-            <a:schemeClr val="accent1">
-              <a:shade val="50000"/>
-            </a:schemeClr>
-          </a:lnRef>
-          <a:fillRef idx="1">
-            <a:schemeClr val="accent1"/>
-          </a:fillRef>
-          <a:effectRef idx="0">
-            <a:schemeClr val="accent1"/>
-          </a:effectRef>
-          <a:fontRef idx="minor">
-            <a:schemeClr val="lt1"/>
-          </a:fontRef>
-        </p:style>
-        <p:txBody>
-          <a:bodyPr rtlCol="0" anchor="ctr"/>
-          <a:lstStyle/>
-          <a:p>
-            <a:pPr algn="ctr"/>
-            <a:r>
-              <a:rPr lang="en-US" altLang="ko-KR" dirty="0" err="1"/>
-              <a:t>memberSaved.jsp</a:t>
-            </a:r>
-            <a:endParaRPr lang="en-US" altLang="ko-KR" dirty="0"/>
-          </a:p>
-        </p:txBody>
-      </p:sp>
-      <p:sp>
-        <p:nvSpPr>
-          <p:cNvPr id="11" name="직사각형 10">
-            <a:extLst>
-              <a:ext uri="{FF2B5EF4-FFF2-40B4-BE49-F238E27FC236}">
-                <a16:creationId xmlns:a16="http://schemas.microsoft.com/office/drawing/2014/main" id="{70C61250-39C3-0B01-B38F-2D7700D8E39A}"/>
-              </a:ext>
-            </a:extLst>
-          </p:cNvPr>
-          <p:cNvSpPr/>
-          <p:nvPr/>
-        </p:nvSpPr>
-        <p:spPr>
-          <a:xfrm>
-            <a:off x="4590947" y="902042"/>
-            <a:ext cx="1836123" cy="1304693"/>
-          </a:xfrm>
-          <a:prstGeom prst="rect">
-            <a:avLst/>
-          </a:prstGeom>
-          <a:solidFill>
-            <a:schemeClr val="accent6">
-              <a:lumMod val="75000"/>
-            </a:schemeClr>
-          </a:solidFill>
-          <a:ln>
-            <a:solidFill>
-              <a:schemeClr val="accent6"/>
-            </a:solidFill>
-          </a:ln>
-        </p:spPr>
-        <p:style>
-          <a:lnRef idx="2">
-            <a:schemeClr val="accent1">
-              <a:shade val="50000"/>
-            </a:schemeClr>
-          </a:lnRef>
-          <a:fillRef idx="1">
-            <a:schemeClr val="accent1"/>
-          </a:fillRef>
-          <a:effectRef idx="0">
-            <a:schemeClr val="accent1"/>
-          </a:effectRef>
-          <a:fontRef idx="minor">
-            <a:schemeClr val="lt1"/>
-          </a:fontRef>
-        </p:style>
-        <p:txBody>
-          <a:bodyPr rtlCol="0" anchor="ctr"/>
-          <a:lstStyle/>
-          <a:p>
-            <a:pPr algn="ctr"/>
-            <a:r>
-              <a:rPr lang="en-US" altLang="ko-KR" dirty="0" err="1"/>
-              <a:t>boardList.jsp</a:t>
-            </a:r>
-            <a:endParaRPr lang="en-US" altLang="ko-KR" dirty="0"/>
-          </a:p>
-          <a:p>
-            <a:pPr algn="ctr"/>
-            <a:r>
-              <a:rPr lang="en-US" altLang="ko-KR" dirty="0"/>
-              <a:t>(ID/PW</a:t>
-            </a:r>
-            <a:r>
-              <a:rPr lang="ko-KR" altLang="en-US" dirty="0"/>
-              <a:t>찾기</a:t>
-            </a:r>
-            <a:r>
-              <a:rPr lang="en-US" altLang="ko-KR" dirty="0"/>
-              <a:t>)</a:t>
-            </a:r>
-            <a:endParaRPr lang="ko-KR" altLang="en-US" dirty="0"/>
-          </a:p>
-        </p:txBody>
-      </p:sp>
-      <p:sp>
-        <p:nvSpPr>
-          <p:cNvPr id="12" name="직사각형 11">
-            <a:extLst>
-              <a:ext uri="{FF2B5EF4-FFF2-40B4-BE49-F238E27FC236}">
-                <a16:creationId xmlns:a16="http://schemas.microsoft.com/office/drawing/2014/main" id="{34058239-DC24-F256-0DAF-0BADD6FF7E6B}"/>
-              </a:ext>
-            </a:extLst>
-          </p:cNvPr>
-          <p:cNvSpPr/>
-          <p:nvPr/>
-        </p:nvSpPr>
-        <p:spPr>
-          <a:xfrm>
-            <a:off x="3099545" y="4257511"/>
-            <a:ext cx="2141636" cy="714980"/>
-          </a:xfrm>
-          <a:prstGeom prst="rect">
-            <a:avLst/>
-          </a:prstGeom>
-        </p:spPr>
-        <p:style>
-          <a:lnRef idx="2">
-            <a:schemeClr val="accent1">
-              <a:shade val="50000"/>
-            </a:schemeClr>
-          </a:lnRef>
-          <a:fillRef idx="1">
-            <a:schemeClr val="accent1"/>
-          </a:fillRef>
-          <a:effectRef idx="0">
-            <a:schemeClr val="accent1"/>
-          </a:effectRef>
-          <a:fontRef idx="minor">
-            <a:schemeClr val="lt1"/>
-          </a:fontRef>
-        </p:style>
-        <p:txBody>
-          <a:bodyPr rtlCol="0" anchor="ctr"/>
-          <a:lstStyle/>
-          <a:p>
-            <a:pPr algn="ctr"/>
-            <a:r>
-              <a:rPr lang="en-US" altLang="ko-KR" dirty="0" err="1"/>
-              <a:t>memberInfo.jsp</a:t>
-            </a:r>
-            <a:endParaRPr lang="ko-KR" altLang="en-US" dirty="0"/>
-          </a:p>
-        </p:txBody>
-      </p:sp>
-      <p:sp>
-        <p:nvSpPr>
-          <p:cNvPr id="13" name="직사각형 12">
-            <a:extLst>
-              <a:ext uri="{FF2B5EF4-FFF2-40B4-BE49-F238E27FC236}">
-                <a16:creationId xmlns:a16="http://schemas.microsoft.com/office/drawing/2014/main" id="{BB204739-BF8B-661A-D678-BD37D851D214}"/>
-              </a:ext>
-            </a:extLst>
-          </p:cNvPr>
-          <p:cNvSpPr/>
-          <p:nvPr/>
-        </p:nvSpPr>
-        <p:spPr>
-          <a:xfrm>
-            <a:off x="6688275" y="249695"/>
-            <a:ext cx="1836123" cy="1304693"/>
-          </a:xfrm>
-          <a:prstGeom prst="rect">
-            <a:avLst/>
-          </a:prstGeom>
-          <a:solidFill>
-            <a:schemeClr val="accent6">
-              <a:lumMod val="75000"/>
-            </a:schemeClr>
-          </a:solidFill>
-        </p:spPr>
-        <p:style>
-          <a:lnRef idx="2">
-            <a:schemeClr val="accent1">
-              <a:shade val="50000"/>
-            </a:schemeClr>
-          </a:lnRef>
-          <a:fillRef idx="1">
-            <a:schemeClr val="accent1"/>
-          </a:fillRef>
-          <a:effectRef idx="0">
-            <a:schemeClr val="accent1"/>
-          </a:effectRef>
-          <a:fontRef idx="minor">
-            <a:schemeClr val="lt1"/>
-          </a:fontRef>
-        </p:style>
-        <p:txBody>
-          <a:bodyPr rtlCol="0" anchor="ctr"/>
-          <a:lstStyle/>
-          <a:p>
-            <a:pPr algn="ctr"/>
-            <a:r>
-              <a:rPr lang="en-US" altLang="ko-KR" dirty="0" err="1"/>
-              <a:t>boardPost.jsp</a:t>
-            </a:r>
-            <a:endParaRPr lang="en-US" altLang="ko-KR" dirty="0"/>
-          </a:p>
-          <a:p>
-            <a:pPr algn="ctr"/>
-            <a:r>
-              <a:rPr lang="en-US" altLang="ko-KR" dirty="0"/>
-              <a:t>(ID/PW</a:t>
-            </a:r>
-            <a:r>
-              <a:rPr lang="ko-KR" altLang="en-US" dirty="0"/>
-              <a:t>찾기</a:t>
-            </a:r>
-            <a:r>
-              <a:rPr lang="en-US" altLang="ko-KR" dirty="0"/>
-              <a:t>)</a:t>
-            </a:r>
-            <a:endParaRPr lang="ko-KR" altLang="en-US" dirty="0"/>
-          </a:p>
-        </p:txBody>
-      </p:sp>
-      <p:sp>
-        <p:nvSpPr>
-          <p:cNvPr id="14" name="직사각형 13">
-            <a:extLst>
-              <a:ext uri="{FF2B5EF4-FFF2-40B4-BE49-F238E27FC236}">
-                <a16:creationId xmlns:a16="http://schemas.microsoft.com/office/drawing/2014/main" id="{3093A00B-7A3B-8F27-754A-E6D7378BE795}"/>
-              </a:ext>
-            </a:extLst>
-          </p:cNvPr>
-          <p:cNvSpPr/>
-          <p:nvPr/>
-        </p:nvSpPr>
-        <p:spPr>
-          <a:xfrm>
-            <a:off x="6688275" y="1791283"/>
-            <a:ext cx="1836123" cy="1304693"/>
-          </a:xfrm>
-          <a:prstGeom prst="rect">
-            <a:avLst/>
-          </a:prstGeom>
-          <a:solidFill>
-            <a:schemeClr val="accent6">
-              <a:lumMod val="75000"/>
-            </a:schemeClr>
-          </a:solidFill>
-        </p:spPr>
-        <p:style>
-          <a:lnRef idx="2">
-            <a:schemeClr val="accent1">
-              <a:shade val="50000"/>
-            </a:schemeClr>
-          </a:lnRef>
-          <a:fillRef idx="1">
-            <a:schemeClr val="accent1"/>
-          </a:fillRef>
-          <a:effectRef idx="0">
-            <a:schemeClr val="accent1"/>
-          </a:effectRef>
-          <a:fontRef idx="minor">
-            <a:schemeClr val="lt1"/>
-          </a:fontRef>
-        </p:style>
-        <p:txBody>
-          <a:bodyPr rtlCol="0" anchor="ctr"/>
-          <a:lstStyle/>
-          <a:p>
-            <a:pPr algn="ctr"/>
-            <a:r>
-              <a:rPr lang="en-US" altLang="ko-KR" dirty="0" err="1"/>
-              <a:t>boardRead.jsp</a:t>
-            </a:r>
-            <a:endParaRPr lang="en-US" altLang="ko-KR" dirty="0"/>
-          </a:p>
-          <a:p>
-            <a:pPr algn="ctr"/>
-            <a:r>
-              <a:rPr lang="en-US" altLang="ko-KR" dirty="0"/>
-              <a:t>(ID/PW</a:t>
-            </a:r>
-            <a:r>
-              <a:rPr lang="ko-KR" altLang="en-US" dirty="0"/>
-              <a:t>찾기</a:t>
-            </a:r>
-            <a:r>
-              <a:rPr lang="en-US" altLang="ko-KR" dirty="0"/>
-              <a:t>)</a:t>
-            </a:r>
-            <a:endParaRPr lang="ko-KR" altLang="en-US" dirty="0"/>
-          </a:p>
-        </p:txBody>
-      </p:sp>
-      <p:sp>
-        <p:nvSpPr>
-          <p:cNvPr id="15" name="직사각형 14">
-            <a:extLst>
-              <a:ext uri="{FF2B5EF4-FFF2-40B4-BE49-F238E27FC236}">
-                <a16:creationId xmlns:a16="http://schemas.microsoft.com/office/drawing/2014/main" id="{F88B3701-2F94-6EC4-1572-333F1B33D41F}"/>
-              </a:ext>
-            </a:extLst>
-          </p:cNvPr>
-          <p:cNvSpPr/>
-          <p:nvPr/>
-        </p:nvSpPr>
-        <p:spPr>
-          <a:xfrm>
-            <a:off x="8696394" y="249694"/>
-            <a:ext cx="1836123" cy="1304693"/>
-          </a:xfrm>
-          <a:prstGeom prst="rect">
-            <a:avLst/>
-          </a:prstGeom>
-          <a:solidFill>
-            <a:schemeClr val="accent6">
-              <a:lumMod val="75000"/>
-            </a:schemeClr>
-          </a:solidFill>
-        </p:spPr>
-        <p:style>
-          <a:lnRef idx="2">
-            <a:schemeClr val="accent1">
-              <a:shade val="50000"/>
-            </a:schemeClr>
-          </a:lnRef>
-          <a:fillRef idx="1">
-            <a:schemeClr val="accent1"/>
-          </a:fillRef>
-          <a:effectRef idx="0">
-            <a:schemeClr val="accent1"/>
-          </a:effectRef>
-          <a:fontRef idx="minor">
-            <a:schemeClr val="lt1"/>
-          </a:fontRef>
-        </p:style>
-        <p:txBody>
-          <a:bodyPr rtlCol="0" anchor="ctr"/>
-          <a:lstStyle/>
-          <a:p>
-            <a:pPr algn="ctr"/>
-            <a:r>
-              <a:rPr lang="en-US" altLang="ko-KR" dirty="0" err="1"/>
-              <a:t>boardReply.jsp</a:t>
-            </a:r>
-            <a:endParaRPr lang="en-US" altLang="ko-KR" dirty="0"/>
-          </a:p>
-          <a:p>
-            <a:pPr algn="ctr"/>
-            <a:r>
-              <a:rPr lang="en-US" altLang="ko-KR" dirty="0"/>
-              <a:t>(ID/PW</a:t>
-            </a:r>
-            <a:r>
-              <a:rPr lang="ko-KR" altLang="en-US" dirty="0"/>
-              <a:t>찾기</a:t>
-            </a:r>
-            <a:r>
-              <a:rPr lang="en-US" altLang="ko-KR" dirty="0"/>
-              <a:t>)</a:t>
-            </a:r>
-            <a:endParaRPr lang="ko-KR" altLang="en-US" dirty="0"/>
-          </a:p>
-        </p:txBody>
-      </p:sp>
       <p:cxnSp>
         <p:nvCxnSpPr>
-          <p:cNvPr id="19" name="직선 연결선 18">
-            <a:extLst>
-              <a:ext uri="{FF2B5EF4-FFF2-40B4-BE49-F238E27FC236}">
-                <a16:creationId xmlns:a16="http://schemas.microsoft.com/office/drawing/2014/main" id="{12FB736A-CE7B-BC8B-6DD5-A42F195138BB}"/>
-              </a:ext>
-            </a:extLst>
-          </p:cNvPr>
-          <p:cNvCxnSpPr>
-            <a:cxnSpLocks/>
-            <a:stCxn id="5" idx="1"/>
-          </p:cNvCxnSpPr>
-          <p:nvPr/>
-        </p:nvCxnSpPr>
-        <p:spPr>
-          <a:xfrm flipH="1" flipV="1">
-            <a:off x="1409542" y="3429000"/>
-            <a:ext cx="147917" cy="82881"/>
-          </a:xfrm>
-          <a:prstGeom prst="line">
-            <a:avLst/>
-          </a:prstGeom>
-          <a:ln>
-            <a:solidFill>
-              <a:schemeClr val="accent4">
-                <a:lumMod val="75000"/>
-              </a:schemeClr>
-            </a:solidFill>
-          </a:ln>
-        </p:spPr>
-        <p:style>
-          <a:lnRef idx="1">
-            <a:schemeClr val="accent1"/>
-          </a:lnRef>
-          <a:fillRef idx="0">
-            <a:schemeClr val="accent1"/>
-          </a:fillRef>
-          <a:effectRef idx="0">
-            <a:schemeClr val="accent1"/>
-          </a:effectRef>
-          <a:fontRef idx="minor">
-            <a:schemeClr val="tx1"/>
-          </a:fontRef>
-        </p:style>
-      </p:cxnSp>
-      <p:cxnSp>
-        <p:nvCxnSpPr>
-          <p:cNvPr id="21" name="직선 화살표 연결선 20">
-            <a:extLst>
-              <a:ext uri="{FF2B5EF4-FFF2-40B4-BE49-F238E27FC236}">
-                <a16:creationId xmlns:a16="http://schemas.microsoft.com/office/drawing/2014/main" id="{E0116CE1-33C0-2231-6483-5F41B31D3790}"/>
-              </a:ext>
-            </a:extLst>
-          </p:cNvPr>
-          <p:cNvCxnSpPr>
-            <a:cxnSpLocks/>
-            <a:stCxn id="8" idx="3"/>
-          </p:cNvCxnSpPr>
-          <p:nvPr/>
-        </p:nvCxnSpPr>
-        <p:spPr>
-          <a:xfrm>
-            <a:off x="2569951" y="1689452"/>
-            <a:ext cx="2020996" cy="0"/>
-          </a:xfrm>
-          <a:prstGeom prst="straightConnector1">
-            <a:avLst/>
-          </a:prstGeom>
-          <a:ln>
-            <a:solidFill>
-              <a:schemeClr val="accent4">
-                <a:lumMod val="75000"/>
-              </a:schemeClr>
-            </a:solidFill>
-            <a:tailEnd type="triangle"/>
-          </a:ln>
-        </p:spPr>
-        <p:style>
-          <a:lnRef idx="3">
-            <a:schemeClr val="accent1"/>
-          </a:lnRef>
-          <a:fillRef idx="0">
-            <a:schemeClr val="accent1"/>
-          </a:fillRef>
-          <a:effectRef idx="2">
-            <a:schemeClr val="accent1"/>
-          </a:effectRef>
-          <a:fontRef idx="minor">
-            <a:schemeClr val="tx1"/>
-          </a:fontRef>
-        </p:style>
-      </p:cxnSp>
-      <p:cxnSp>
-        <p:nvCxnSpPr>
-          <p:cNvPr id="23" name="직선 화살표 연결선 22">
-            <a:extLst>
-              <a:ext uri="{FF2B5EF4-FFF2-40B4-BE49-F238E27FC236}">
-                <a16:creationId xmlns:a16="http://schemas.microsoft.com/office/drawing/2014/main" id="{DD55D34C-D752-B8DB-D4CD-9143AA7BB760}"/>
+          <p:cNvPr id="34" name="직선 연결선 33">
+            <a:extLst>
+              <a:ext uri="{FF2B5EF4-FFF2-40B4-BE49-F238E27FC236}">
+                <a16:creationId xmlns:a16="http://schemas.microsoft.com/office/drawing/2014/main" id="{E3CBDE04-4339-5F7D-1F2A-441DBFFB1EEC}"/>
               </a:ext>
             </a:extLst>
           </p:cNvPr>
@@ -4284,99 +3460,8 @@
         </p:nvCxnSpPr>
         <p:spPr>
           <a:xfrm>
-            <a:off x="2079106" y="2341798"/>
-            <a:ext cx="0" cy="803650"/>
-          </a:xfrm>
-          <a:prstGeom prst="straightConnector1">
-            <a:avLst/>
-          </a:prstGeom>
-          <a:ln>
-            <a:solidFill>
-              <a:schemeClr val="accent4">
-                <a:lumMod val="75000"/>
-              </a:schemeClr>
-            </a:solidFill>
-            <a:tailEnd type="triangle"/>
-          </a:ln>
-        </p:spPr>
-        <p:style>
-          <a:lnRef idx="3">
-            <a:schemeClr val="accent1"/>
-          </a:lnRef>
-          <a:fillRef idx="0">
-            <a:schemeClr val="accent1"/>
-          </a:fillRef>
-          <a:effectRef idx="2">
-            <a:schemeClr val="accent1"/>
-          </a:effectRef>
-          <a:fontRef idx="minor">
-            <a:schemeClr val="tx1"/>
-          </a:fontRef>
-        </p:style>
-      </p:cxnSp>
-      <p:cxnSp>
-        <p:nvCxnSpPr>
-          <p:cNvPr id="32" name="직선 연결선 31">
-            <a:extLst>
-              <a:ext uri="{FF2B5EF4-FFF2-40B4-BE49-F238E27FC236}">
-                <a16:creationId xmlns:a16="http://schemas.microsoft.com/office/drawing/2014/main" id="{BC066836-22E8-CD0E-2C91-B52AEDF353F3}"/>
-              </a:ext>
-            </a:extLst>
-          </p:cNvPr>
-          <p:cNvCxnSpPr>
-            <a:cxnSpLocks/>
-          </p:cNvCxnSpPr>
-          <p:nvPr/>
-        </p:nvCxnSpPr>
-        <p:spPr>
-          <a:xfrm>
-            <a:off x="2569951" y="2233606"/>
-            <a:ext cx="490402" cy="617170"/>
-          </a:xfrm>
-          <a:prstGeom prst="line">
-            <a:avLst/>
-          </a:prstGeom>
-          <a:ln>
-            <a:solidFill>
-              <a:schemeClr val="accent4">
-                <a:lumMod val="75000"/>
-              </a:schemeClr>
-            </a:solidFill>
-          </a:ln>
-        </p:spPr>
-        <p:style>
-          <a:lnRef idx="3">
-            <a:schemeClr val="accent1"/>
-          </a:lnRef>
-          <a:fillRef idx="0">
-            <a:schemeClr val="accent1"/>
-          </a:fillRef>
-          <a:effectRef idx="2">
-            <a:schemeClr val="accent1"/>
-          </a:effectRef>
-          <a:fontRef idx="minor">
-            <a:schemeClr val="tx1"/>
-          </a:fontRef>
-        </p:style>
-      </p:cxnSp>
-      <p:cxnSp>
-        <p:nvCxnSpPr>
-          <p:cNvPr id="34" name="직선 연결선 33">
-            <a:extLst>
-              <a:ext uri="{FF2B5EF4-FFF2-40B4-BE49-F238E27FC236}">
-                <a16:creationId xmlns:a16="http://schemas.microsoft.com/office/drawing/2014/main" id="{E3CBDE04-4339-5F7D-1F2A-441DBFFB1EEC}"/>
-              </a:ext>
-            </a:extLst>
-          </p:cNvPr>
-          <p:cNvCxnSpPr>
-            <a:cxnSpLocks/>
-          </p:cNvCxnSpPr>
-          <p:nvPr/>
-        </p:nvCxnSpPr>
-        <p:spPr>
-          <a:xfrm>
-            <a:off x="2079106" y="3878314"/>
-            <a:ext cx="0" cy="1130239"/>
+            <a:off x="2079106" y="3298763"/>
+            <a:ext cx="0" cy="1820910"/>
           </a:xfrm>
           <a:prstGeom prst="line">
             <a:avLst/>
@@ -4419,9 +3504,9 @@
           <p:nvPr/>
         </p:nvCxnSpPr>
         <p:spPr>
-          <a:xfrm rot="5400000" flipH="1" flipV="1">
-            <a:off x="5409903" y="3327819"/>
-            <a:ext cx="2505698" cy="2140956"/>
+          <a:xfrm flipV="1">
+            <a:off x="4331612" y="2834438"/>
+            <a:ext cx="2548210" cy="2504857"/>
           </a:xfrm>
           <a:prstGeom prst="bentConnector3">
             <a:avLst>
@@ -4447,46 +3532,6 @@
           </a:fontRef>
         </p:style>
       </p:cxnSp>
-      <p:cxnSp>
-        <p:nvCxnSpPr>
-          <p:cNvPr id="48" name="연결선: 꺾임 47">
-            <a:extLst>
-              <a:ext uri="{FF2B5EF4-FFF2-40B4-BE49-F238E27FC236}">
-                <a16:creationId xmlns:a16="http://schemas.microsoft.com/office/drawing/2014/main" id="{D4CC183A-D341-0A67-F67C-BDB7E6554901}"/>
-              </a:ext>
-            </a:extLst>
-          </p:cNvPr>
-          <p:cNvCxnSpPr>
-            <a:cxnSpLocks/>
-          </p:cNvCxnSpPr>
-          <p:nvPr/>
-        </p:nvCxnSpPr>
-        <p:spPr>
-          <a:xfrm rot="5400000" flipH="1" flipV="1">
-            <a:off x="2673646" y="4459498"/>
-            <a:ext cx="659576" cy="438534"/>
-          </a:xfrm>
-          <a:prstGeom prst="bentConnector3">
-            <a:avLst>
-              <a:gd name="adj1" fmla="val 65216"/>
-            </a:avLst>
-          </a:prstGeom>
-        </p:spPr>
-        <p:style>
-          <a:lnRef idx="1">
-            <a:schemeClr val="accent1"/>
-          </a:lnRef>
-          <a:fillRef idx="0">
-            <a:schemeClr val="accent1"/>
-          </a:fillRef>
-          <a:effectRef idx="0">
-            <a:schemeClr val="accent1"/>
-          </a:effectRef>
-          <a:fontRef idx="minor">
-            <a:schemeClr val="tx1"/>
-          </a:fontRef>
-        </p:style>
-      </p:cxnSp>
       <p:sp>
         <p:nvSpPr>
           <p:cNvPr id="38" name="TextBox 37">
@@ -4673,6 +3718,2168 @@
           </a:p>
         </p:txBody>
       </p:sp>
+      <p:grpSp>
+        <p:nvGrpSpPr>
+          <p:cNvPr id="27" name="그룹 26">
+            <a:extLst>
+              <a:ext uri="{FF2B5EF4-FFF2-40B4-BE49-F238E27FC236}">
+                <a16:creationId xmlns:a16="http://schemas.microsoft.com/office/drawing/2014/main" id="{979B928A-1245-6115-48F3-89CA9D711F2F}"/>
+              </a:ext>
+            </a:extLst>
+          </p:cNvPr>
+          <p:cNvGrpSpPr/>
+          <p:nvPr/>
+        </p:nvGrpSpPr>
+        <p:grpSpPr>
+          <a:xfrm>
+            <a:off x="2722628" y="1064857"/>
+            <a:ext cx="1818625" cy="369332"/>
+            <a:chOff x="2722628" y="1064857"/>
+            <a:chExt cx="1818625" cy="369332"/>
+          </a:xfrm>
+        </p:grpSpPr>
+        <p:cxnSp>
+          <p:nvCxnSpPr>
+            <p:cNvPr id="21" name="직선 화살표 연결선 20">
+              <a:extLst>
+                <a:ext uri="{FF2B5EF4-FFF2-40B4-BE49-F238E27FC236}">
+                  <a16:creationId xmlns:a16="http://schemas.microsoft.com/office/drawing/2014/main" id="{E0116CE1-33C0-2231-6483-5F41B31D3790}"/>
+                </a:ext>
+              </a:extLst>
+            </p:cNvPr>
+            <p:cNvCxnSpPr>
+              <a:cxnSpLocks/>
+            </p:cNvCxnSpPr>
+            <p:nvPr/>
+          </p:nvCxnSpPr>
+          <p:spPr>
+            <a:xfrm>
+              <a:off x="2722628" y="1203720"/>
+              <a:ext cx="1818625" cy="0"/>
+            </a:xfrm>
+            <a:prstGeom prst="straightConnector1">
+              <a:avLst/>
+            </a:prstGeom>
+            <a:ln>
+              <a:solidFill>
+                <a:schemeClr val="accent4">
+                  <a:lumMod val="75000"/>
+                </a:schemeClr>
+              </a:solidFill>
+              <a:tailEnd type="triangle"/>
+            </a:ln>
+          </p:spPr>
+          <p:style>
+            <a:lnRef idx="3">
+              <a:schemeClr val="accent1"/>
+            </a:lnRef>
+            <a:fillRef idx="0">
+              <a:schemeClr val="accent1"/>
+            </a:fillRef>
+            <a:effectRef idx="2">
+              <a:schemeClr val="accent1"/>
+            </a:effectRef>
+            <a:fontRef idx="minor">
+              <a:schemeClr val="tx1"/>
+            </a:fontRef>
+          </p:style>
+        </p:cxnSp>
+        <p:sp>
+          <p:nvSpPr>
+            <p:cNvPr id="33" name="TextBox 32">
+              <a:extLst>
+                <a:ext uri="{FF2B5EF4-FFF2-40B4-BE49-F238E27FC236}">
+                  <a16:creationId xmlns:a16="http://schemas.microsoft.com/office/drawing/2014/main" id="{AE09A551-5090-C54C-CF4A-B66C3B5F200A}"/>
+                </a:ext>
+              </a:extLst>
+            </p:cNvPr>
+            <p:cNvSpPr txBox="1"/>
+            <p:nvPr/>
+          </p:nvSpPr>
+          <p:spPr>
+            <a:xfrm>
+              <a:off x="3099545" y="1064857"/>
+              <a:ext cx="920076" cy="369332"/>
+            </a:xfrm>
+            <a:prstGeom prst="rect">
+              <a:avLst/>
+            </a:prstGeom>
+            <a:solidFill>
+              <a:schemeClr val="accent6">
+                <a:lumMod val="40000"/>
+                <a:lumOff val="60000"/>
+              </a:schemeClr>
+            </a:solidFill>
+            <a:ln>
+              <a:solidFill>
+                <a:schemeClr val="tx1"/>
+              </a:solidFill>
+            </a:ln>
+          </p:spPr>
+          <p:txBody>
+            <a:bodyPr wrap="square" rtlCol="0">
+              <a:spAutoFit/>
+            </a:bodyPr>
+            <a:lstStyle/>
+            <a:p>
+              <a:r>
+                <a:rPr lang="ko-KR" altLang="en-US" dirty="0"/>
+                <a:t>게시판</a:t>
+              </a:r>
+            </a:p>
+          </p:txBody>
+        </p:sp>
+      </p:grpSp>
+      <p:grpSp>
+        <p:nvGrpSpPr>
+          <p:cNvPr id="28" name="그룹 27">
+            <a:extLst>
+              <a:ext uri="{FF2B5EF4-FFF2-40B4-BE49-F238E27FC236}">
+                <a16:creationId xmlns:a16="http://schemas.microsoft.com/office/drawing/2014/main" id="{DA840ADD-7492-0A55-9F6F-EB25FBBB1202}"/>
+              </a:ext>
+            </a:extLst>
+          </p:cNvPr>
+          <p:cNvGrpSpPr/>
+          <p:nvPr/>
+        </p:nvGrpSpPr>
+        <p:grpSpPr>
+          <a:xfrm>
+            <a:off x="1349761" y="1554387"/>
+            <a:ext cx="1408963" cy="1228867"/>
+            <a:chOff x="1351020" y="1721680"/>
+            <a:chExt cx="1408963" cy="1228867"/>
+          </a:xfrm>
+        </p:grpSpPr>
+        <p:cxnSp>
+          <p:nvCxnSpPr>
+            <p:cNvPr id="23" name="직선 화살표 연결선 22">
+              <a:extLst>
+                <a:ext uri="{FF2B5EF4-FFF2-40B4-BE49-F238E27FC236}">
+                  <a16:creationId xmlns:a16="http://schemas.microsoft.com/office/drawing/2014/main" id="{DD55D34C-D752-B8DB-D4CD-9143AA7BB760}"/>
+                </a:ext>
+              </a:extLst>
+            </p:cNvPr>
+            <p:cNvCxnSpPr>
+              <a:cxnSpLocks/>
+            </p:cNvCxnSpPr>
+            <p:nvPr/>
+          </p:nvCxnSpPr>
+          <p:spPr>
+            <a:xfrm>
+              <a:off x="2080365" y="1721680"/>
+              <a:ext cx="0" cy="1228867"/>
+            </a:xfrm>
+            <a:prstGeom prst="straightConnector1">
+              <a:avLst/>
+            </a:prstGeom>
+            <a:ln>
+              <a:solidFill>
+                <a:schemeClr val="accent4">
+                  <a:lumMod val="75000"/>
+                </a:schemeClr>
+              </a:solidFill>
+              <a:tailEnd type="triangle"/>
+            </a:ln>
+          </p:spPr>
+          <p:style>
+            <a:lnRef idx="3">
+              <a:schemeClr val="accent1"/>
+            </a:lnRef>
+            <a:fillRef idx="0">
+              <a:schemeClr val="accent1"/>
+            </a:fillRef>
+            <a:effectRef idx="2">
+              <a:schemeClr val="accent1"/>
+            </a:effectRef>
+            <a:fontRef idx="minor">
+              <a:schemeClr val="tx1"/>
+            </a:fontRef>
+          </p:style>
+        </p:cxnSp>
+        <p:sp>
+          <p:nvSpPr>
+            <p:cNvPr id="36" name="TextBox 35">
+              <a:extLst>
+                <a:ext uri="{FF2B5EF4-FFF2-40B4-BE49-F238E27FC236}">
+                  <a16:creationId xmlns:a16="http://schemas.microsoft.com/office/drawing/2014/main" id="{B1D88521-7017-9CEC-9FBE-922DBE59E138}"/>
+                </a:ext>
+              </a:extLst>
+            </p:cNvPr>
+            <p:cNvSpPr txBox="1"/>
+            <p:nvPr/>
+          </p:nvSpPr>
+          <p:spPr>
+            <a:xfrm>
+              <a:off x="1351020" y="2189326"/>
+              <a:ext cx="1408963" cy="369332"/>
+            </a:xfrm>
+            <a:prstGeom prst="rect">
+              <a:avLst/>
+            </a:prstGeom>
+            <a:solidFill>
+              <a:schemeClr val="accent1">
+                <a:lumMod val="20000"/>
+                <a:lumOff val="80000"/>
+              </a:schemeClr>
+            </a:solidFill>
+            <a:ln>
+              <a:solidFill>
+                <a:schemeClr val="tx1"/>
+              </a:solidFill>
+            </a:ln>
+          </p:spPr>
+          <p:txBody>
+            <a:bodyPr wrap="square" rtlCol="0">
+              <a:spAutoFit/>
+            </a:bodyPr>
+            <a:lstStyle/>
+            <a:p>
+              <a:r>
+                <a:rPr lang="ko-KR" altLang="en-US" dirty="0"/>
+                <a:t>회원 페이지</a:t>
+              </a:r>
+            </a:p>
+          </p:txBody>
+        </p:sp>
+      </p:grpSp>
+      <p:grpSp>
+        <p:nvGrpSpPr>
+          <p:cNvPr id="22" name="그룹 21">
+            <a:extLst>
+              <a:ext uri="{FF2B5EF4-FFF2-40B4-BE49-F238E27FC236}">
+                <a16:creationId xmlns:a16="http://schemas.microsoft.com/office/drawing/2014/main" id="{33DCEC78-C646-A5E3-236D-677C0FE6721C}"/>
+              </a:ext>
+            </a:extLst>
+          </p:cNvPr>
+          <p:cNvGrpSpPr/>
+          <p:nvPr/>
+        </p:nvGrpSpPr>
+        <p:grpSpPr>
+          <a:xfrm>
+            <a:off x="1441376" y="235429"/>
+            <a:ext cx="1312637" cy="1325265"/>
+            <a:chOff x="1407600" y="205894"/>
+            <a:chExt cx="1312637" cy="1325265"/>
+          </a:xfrm>
+        </p:grpSpPr>
+        <p:sp>
+          <p:nvSpPr>
+            <p:cNvPr id="20" name="직사각형 19">
+              <a:extLst>
+                <a:ext uri="{FF2B5EF4-FFF2-40B4-BE49-F238E27FC236}">
+                  <a16:creationId xmlns:a16="http://schemas.microsoft.com/office/drawing/2014/main" id="{0DC8CC17-7F5F-8234-D5EF-BC62F5589782}"/>
+                </a:ext>
+              </a:extLst>
+            </p:cNvPr>
+            <p:cNvSpPr/>
+            <p:nvPr/>
+          </p:nvSpPr>
+          <p:spPr>
+            <a:xfrm>
+              <a:off x="1412582" y="628283"/>
+              <a:ext cx="1284004" cy="902876"/>
+            </a:xfrm>
+            <a:prstGeom prst="rect">
+              <a:avLst/>
+            </a:prstGeom>
+            <a:solidFill>
+              <a:schemeClr val="accent2">
+                <a:lumMod val="20000"/>
+                <a:lumOff val="80000"/>
+              </a:schemeClr>
+            </a:solidFill>
+          </p:spPr>
+          <p:style>
+            <a:lnRef idx="2">
+              <a:schemeClr val="accent3">
+                <a:shade val="50000"/>
+              </a:schemeClr>
+            </a:lnRef>
+            <a:fillRef idx="1">
+              <a:schemeClr val="accent3"/>
+            </a:fillRef>
+            <a:effectRef idx="0">
+              <a:schemeClr val="accent3"/>
+            </a:effectRef>
+            <a:fontRef idx="minor">
+              <a:schemeClr val="lt1"/>
+            </a:fontRef>
+          </p:style>
+          <p:txBody>
+            <a:bodyPr rtlCol="0" anchor="ctr"/>
+            <a:lstStyle/>
+            <a:p>
+              <a:pPr algn="ctr"/>
+              <a:r>
+                <a:rPr lang="ko-KR" altLang="en-US" dirty="0">
+                  <a:solidFill>
+                    <a:schemeClr val="tx1"/>
+                  </a:solidFill>
+                </a:rPr>
+                <a:t>시작 화면</a:t>
+              </a:r>
+              <a:endParaRPr lang="en-US" altLang="ko-KR" dirty="0">
+                <a:solidFill>
+                  <a:schemeClr val="tx1"/>
+                </a:solidFill>
+              </a:endParaRPr>
+            </a:p>
+          </p:txBody>
+        </p:sp>
+        <p:sp>
+          <p:nvSpPr>
+            <p:cNvPr id="8" name="직사각형 7">
+              <a:extLst>
+                <a:ext uri="{FF2B5EF4-FFF2-40B4-BE49-F238E27FC236}">
+                  <a16:creationId xmlns:a16="http://schemas.microsoft.com/office/drawing/2014/main" id="{951E3983-FB04-CC2E-E485-DD7DD08E7D93}"/>
+                </a:ext>
+              </a:extLst>
+            </p:cNvPr>
+            <p:cNvSpPr/>
+            <p:nvPr/>
+          </p:nvSpPr>
+          <p:spPr>
+            <a:xfrm>
+              <a:off x="1407600" y="205894"/>
+              <a:ext cx="1312637" cy="450588"/>
+            </a:xfrm>
+            <a:prstGeom prst="rect">
+              <a:avLst/>
+            </a:prstGeom>
+            <a:solidFill>
+              <a:schemeClr val="bg2">
+                <a:lumMod val="25000"/>
+              </a:schemeClr>
+            </a:solidFill>
+          </p:spPr>
+          <p:style>
+            <a:lnRef idx="2">
+              <a:schemeClr val="accent1">
+                <a:shade val="50000"/>
+              </a:schemeClr>
+            </a:lnRef>
+            <a:fillRef idx="1">
+              <a:schemeClr val="accent1"/>
+            </a:fillRef>
+            <a:effectRef idx="0">
+              <a:schemeClr val="accent1"/>
+            </a:effectRef>
+            <a:fontRef idx="minor">
+              <a:schemeClr val="lt1"/>
+            </a:fontRef>
+          </p:style>
+          <p:txBody>
+            <a:bodyPr rtlCol="0" anchor="ctr"/>
+            <a:lstStyle/>
+            <a:p>
+              <a:pPr algn="ctr"/>
+              <a:r>
+                <a:rPr lang="en-US" altLang="ko-KR" u="sng" dirty="0" err="1"/>
+                <a:t>home</a:t>
+              </a:r>
+              <a:r>
+                <a:rPr lang="en-US" altLang="ko-KR" dirty="0" err="1"/>
+                <a:t>.jsp</a:t>
+              </a:r>
+              <a:endParaRPr lang="ko-KR" altLang="en-US" dirty="0"/>
+            </a:p>
+          </p:txBody>
+        </p:sp>
+      </p:grpSp>
+      <p:grpSp>
+        <p:nvGrpSpPr>
+          <p:cNvPr id="40" name="그룹 39">
+            <a:extLst>
+              <a:ext uri="{FF2B5EF4-FFF2-40B4-BE49-F238E27FC236}">
+                <a16:creationId xmlns:a16="http://schemas.microsoft.com/office/drawing/2014/main" id="{6165C89B-C434-7621-F0DB-9E7425A511D2}"/>
+              </a:ext>
+            </a:extLst>
+          </p:cNvPr>
+          <p:cNvGrpSpPr/>
+          <p:nvPr/>
+        </p:nvGrpSpPr>
+        <p:grpSpPr>
+          <a:xfrm>
+            <a:off x="4579797" y="490654"/>
+            <a:ext cx="1854458" cy="1716081"/>
+            <a:chOff x="4579797" y="490654"/>
+            <a:chExt cx="1854458" cy="1716081"/>
+          </a:xfrm>
+          <a:solidFill>
+            <a:schemeClr val="accent6">
+              <a:lumMod val="40000"/>
+              <a:lumOff val="60000"/>
+            </a:schemeClr>
+          </a:solidFill>
+        </p:grpSpPr>
+        <p:sp>
+          <p:nvSpPr>
+            <p:cNvPr id="11" name="직사각형 10">
+              <a:extLst>
+                <a:ext uri="{FF2B5EF4-FFF2-40B4-BE49-F238E27FC236}">
+                  <a16:creationId xmlns:a16="http://schemas.microsoft.com/office/drawing/2014/main" id="{70C61250-39C3-0B01-B38F-2D7700D8E39A}"/>
+                </a:ext>
+              </a:extLst>
+            </p:cNvPr>
+            <p:cNvSpPr/>
+            <p:nvPr/>
+          </p:nvSpPr>
+          <p:spPr>
+            <a:xfrm>
+              <a:off x="4590947" y="902042"/>
+              <a:ext cx="1836123" cy="1304693"/>
+            </a:xfrm>
+            <a:prstGeom prst="rect">
+              <a:avLst/>
+            </a:prstGeom>
+            <a:grpFill/>
+            <a:ln>
+              <a:solidFill>
+                <a:schemeClr val="accent6"/>
+              </a:solidFill>
+            </a:ln>
+          </p:spPr>
+          <p:style>
+            <a:lnRef idx="2">
+              <a:schemeClr val="accent1">
+                <a:shade val="50000"/>
+              </a:schemeClr>
+            </a:lnRef>
+            <a:fillRef idx="1">
+              <a:schemeClr val="accent1"/>
+            </a:fillRef>
+            <a:effectRef idx="0">
+              <a:schemeClr val="accent1"/>
+            </a:effectRef>
+            <a:fontRef idx="minor">
+              <a:schemeClr val="lt1"/>
+            </a:fontRef>
+          </p:style>
+          <p:txBody>
+            <a:bodyPr rtlCol="0" anchor="ctr"/>
+            <a:lstStyle/>
+            <a:p>
+              <a:pPr algn="ctr"/>
+              <a:r>
+                <a:rPr lang="ko-KR" altLang="en-US" dirty="0">
+                  <a:solidFill>
+                    <a:schemeClr val="tx1"/>
+                  </a:solidFill>
+                </a:rPr>
+                <a:t>게시판 목록</a:t>
+              </a:r>
+              <a:endParaRPr lang="en-US" altLang="ko-KR" dirty="0">
+                <a:solidFill>
+                  <a:schemeClr val="tx1"/>
+                </a:solidFill>
+              </a:endParaRPr>
+            </a:p>
+          </p:txBody>
+        </p:sp>
+        <p:sp>
+          <p:nvSpPr>
+            <p:cNvPr id="29" name="직사각형 28">
+              <a:extLst>
+                <a:ext uri="{FF2B5EF4-FFF2-40B4-BE49-F238E27FC236}">
+                  <a16:creationId xmlns:a16="http://schemas.microsoft.com/office/drawing/2014/main" id="{315AC433-6CAE-C16C-7141-61FEA0AA3A6D}"/>
+                </a:ext>
+              </a:extLst>
+            </p:cNvPr>
+            <p:cNvSpPr/>
+            <p:nvPr/>
+          </p:nvSpPr>
+          <p:spPr>
+            <a:xfrm>
+              <a:off x="4579797" y="490654"/>
+              <a:ext cx="1854458" cy="526159"/>
+            </a:xfrm>
+            <a:prstGeom prst="rect">
+              <a:avLst/>
+            </a:prstGeom>
+            <a:solidFill>
+              <a:schemeClr val="accent6">
+                <a:lumMod val="75000"/>
+              </a:schemeClr>
+            </a:solidFill>
+          </p:spPr>
+          <p:style>
+            <a:lnRef idx="2">
+              <a:schemeClr val="accent1">
+                <a:shade val="50000"/>
+              </a:schemeClr>
+            </a:lnRef>
+            <a:fillRef idx="1">
+              <a:schemeClr val="accent1"/>
+            </a:fillRef>
+            <a:effectRef idx="0">
+              <a:schemeClr val="accent1"/>
+            </a:effectRef>
+            <a:fontRef idx="minor">
+              <a:schemeClr val="lt1"/>
+            </a:fontRef>
+          </p:style>
+          <p:txBody>
+            <a:bodyPr rtlCol="0" anchor="ctr"/>
+            <a:lstStyle/>
+            <a:p>
+              <a:pPr algn="ctr"/>
+              <a:r>
+                <a:rPr lang="en-US" altLang="ko-KR" dirty="0" err="1">
+                  <a:solidFill>
+                    <a:schemeClr val="bg1"/>
+                  </a:solidFill>
+                </a:rPr>
+                <a:t>boardList.jsp</a:t>
+              </a:r>
+              <a:endParaRPr lang="en-US" altLang="ko-KR" dirty="0">
+                <a:solidFill>
+                  <a:schemeClr val="bg1"/>
+                </a:solidFill>
+              </a:endParaRPr>
+            </a:p>
+          </p:txBody>
+        </p:sp>
+      </p:grpSp>
+      <p:grpSp>
+        <p:nvGrpSpPr>
+          <p:cNvPr id="53" name="그룹 52">
+            <a:extLst>
+              <a:ext uri="{FF2B5EF4-FFF2-40B4-BE49-F238E27FC236}">
+                <a16:creationId xmlns:a16="http://schemas.microsoft.com/office/drawing/2014/main" id="{27DD417A-878B-7DED-B31D-EC0E741EAB53}"/>
+              </a:ext>
+            </a:extLst>
+          </p:cNvPr>
+          <p:cNvGrpSpPr/>
+          <p:nvPr/>
+        </p:nvGrpSpPr>
+        <p:grpSpPr>
+          <a:xfrm>
+            <a:off x="6884270" y="1706097"/>
+            <a:ext cx="1746232" cy="1440266"/>
+            <a:chOff x="4579797" y="490654"/>
+            <a:chExt cx="1854458" cy="1716081"/>
+          </a:xfrm>
+          <a:solidFill>
+            <a:schemeClr val="accent6">
+              <a:lumMod val="40000"/>
+              <a:lumOff val="60000"/>
+            </a:schemeClr>
+          </a:solidFill>
+        </p:grpSpPr>
+        <p:sp>
+          <p:nvSpPr>
+            <p:cNvPr id="54" name="직사각형 53">
+              <a:extLst>
+                <a:ext uri="{FF2B5EF4-FFF2-40B4-BE49-F238E27FC236}">
+                  <a16:creationId xmlns:a16="http://schemas.microsoft.com/office/drawing/2014/main" id="{8D4B925E-5C1D-40AE-8CC7-F265944189A3}"/>
+                </a:ext>
+              </a:extLst>
+            </p:cNvPr>
+            <p:cNvSpPr/>
+            <p:nvPr/>
+          </p:nvSpPr>
+          <p:spPr>
+            <a:xfrm>
+              <a:off x="4590947" y="902042"/>
+              <a:ext cx="1836123" cy="1304693"/>
+            </a:xfrm>
+            <a:prstGeom prst="rect">
+              <a:avLst/>
+            </a:prstGeom>
+            <a:grpFill/>
+            <a:ln>
+              <a:solidFill>
+                <a:schemeClr val="accent6"/>
+              </a:solidFill>
+            </a:ln>
+          </p:spPr>
+          <p:style>
+            <a:lnRef idx="2">
+              <a:schemeClr val="accent1">
+                <a:shade val="50000"/>
+              </a:schemeClr>
+            </a:lnRef>
+            <a:fillRef idx="1">
+              <a:schemeClr val="accent1"/>
+            </a:fillRef>
+            <a:effectRef idx="0">
+              <a:schemeClr val="accent1"/>
+            </a:effectRef>
+            <a:fontRef idx="minor">
+              <a:schemeClr val="lt1"/>
+            </a:fontRef>
+          </p:style>
+          <p:txBody>
+            <a:bodyPr rtlCol="0" anchor="ctr"/>
+            <a:lstStyle/>
+            <a:p>
+              <a:pPr algn="ctr"/>
+              <a:r>
+                <a:rPr lang="ko-KR" altLang="en-US" dirty="0">
+                  <a:solidFill>
+                    <a:schemeClr val="tx1"/>
+                  </a:solidFill>
+                </a:rPr>
+                <a:t>게시글 읽기</a:t>
+              </a:r>
+              <a:endParaRPr lang="en-US" altLang="ko-KR" dirty="0">
+                <a:solidFill>
+                  <a:schemeClr val="tx1"/>
+                </a:solidFill>
+              </a:endParaRPr>
+            </a:p>
+          </p:txBody>
+        </p:sp>
+        <p:sp>
+          <p:nvSpPr>
+            <p:cNvPr id="55" name="직사각형 54">
+              <a:extLst>
+                <a:ext uri="{FF2B5EF4-FFF2-40B4-BE49-F238E27FC236}">
+                  <a16:creationId xmlns:a16="http://schemas.microsoft.com/office/drawing/2014/main" id="{BAE8B969-F3D7-9435-F9B3-C8A0FCE3643A}"/>
+                </a:ext>
+              </a:extLst>
+            </p:cNvPr>
+            <p:cNvSpPr/>
+            <p:nvPr/>
+          </p:nvSpPr>
+          <p:spPr>
+            <a:xfrm>
+              <a:off x="4579797" y="490654"/>
+              <a:ext cx="1854458" cy="526159"/>
+            </a:xfrm>
+            <a:prstGeom prst="rect">
+              <a:avLst/>
+            </a:prstGeom>
+            <a:solidFill>
+              <a:schemeClr val="accent6">
+                <a:lumMod val="75000"/>
+              </a:schemeClr>
+            </a:solidFill>
+          </p:spPr>
+          <p:style>
+            <a:lnRef idx="2">
+              <a:schemeClr val="accent1">
+                <a:shade val="50000"/>
+              </a:schemeClr>
+            </a:lnRef>
+            <a:fillRef idx="1">
+              <a:schemeClr val="accent1"/>
+            </a:fillRef>
+            <a:effectRef idx="0">
+              <a:schemeClr val="accent1"/>
+            </a:effectRef>
+            <a:fontRef idx="minor">
+              <a:schemeClr val="lt1"/>
+            </a:fontRef>
+          </p:style>
+          <p:txBody>
+            <a:bodyPr rtlCol="0" anchor="ctr"/>
+            <a:lstStyle/>
+            <a:p>
+              <a:pPr algn="ctr"/>
+              <a:r>
+                <a:rPr lang="en-US" altLang="ko-KR" dirty="0" err="1">
+                  <a:solidFill>
+                    <a:schemeClr val="bg1"/>
+                  </a:solidFill>
+                </a:rPr>
+                <a:t>boardRead.jsp</a:t>
+              </a:r>
+              <a:endParaRPr lang="en-US" altLang="ko-KR" dirty="0">
+                <a:solidFill>
+                  <a:schemeClr val="bg1"/>
+                </a:solidFill>
+              </a:endParaRPr>
+            </a:p>
+          </p:txBody>
+        </p:sp>
+      </p:grpSp>
+      <p:grpSp>
+        <p:nvGrpSpPr>
+          <p:cNvPr id="56" name="그룹 55">
+            <a:extLst>
+              <a:ext uri="{FF2B5EF4-FFF2-40B4-BE49-F238E27FC236}">
+                <a16:creationId xmlns:a16="http://schemas.microsoft.com/office/drawing/2014/main" id="{86271760-9D99-8E1D-B440-7F4F89757F78}"/>
+              </a:ext>
+            </a:extLst>
+          </p:cNvPr>
+          <p:cNvGrpSpPr/>
+          <p:nvPr/>
+        </p:nvGrpSpPr>
+        <p:grpSpPr>
+          <a:xfrm>
+            <a:off x="6877504" y="120428"/>
+            <a:ext cx="1746232" cy="1440266"/>
+            <a:chOff x="4579797" y="490654"/>
+            <a:chExt cx="1854458" cy="1716081"/>
+          </a:xfrm>
+          <a:solidFill>
+            <a:schemeClr val="accent6">
+              <a:lumMod val="40000"/>
+              <a:lumOff val="60000"/>
+            </a:schemeClr>
+          </a:solidFill>
+        </p:grpSpPr>
+        <p:sp>
+          <p:nvSpPr>
+            <p:cNvPr id="57" name="직사각형 56">
+              <a:extLst>
+                <a:ext uri="{FF2B5EF4-FFF2-40B4-BE49-F238E27FC236}">
+                  <a16:creationId xmlns:a16="http://schemas.microsoft.com/office/drawing/2014/main" id="{ECDDFD4B-2E99-A71E-B45B-AA09F3A2F319}"/>
+                </a:ext>
+              </a:extLst>
+            </p:cNvPr>
+            <p:cNvSpPr/>
+            <p:nvPr/>
+          </p:nvSpPr>
+          <p:spPr>
+            <a:xfrm>
+              <a:off x="4590947" y="902042"/>
+              <a:ext cx="1836123" cy="1304693"/>
+            </a:xfrm>
+            <a:prstGeom prst="rect">
+              <a:avLst/>
+            </a:prstGeom>
+            <a:grpFill/>
+            <a:ln>
+              <a:solidFill>
+                <a:schemeClr val="accent6"/>
+              </a:solidFill>
+            </a:ln>
+          </p:spPr>
+          <p:style>
+            <a:lnRef idx="2">
+              <a:schemeClr val="accent1">
+                <a:shade val="50000"/>
+              </a:schemeClr>
+            </a:lnRef>
+            <a:fillRef idx="1">
+              <a:schemeClr val="accent1"/>
+            </a:fillRef>
+            <a:effectRef idx="0">
+              <a:schemeClr val="accent1"/>
+            </a:effectRef>
+            <a:fontRef idx="minor">
+              <a:schemeClr val="lt1"/>
+            </a:fontRef>
+          </p:style>
+          <p:txBody>
+            <a:bodyPr rtlCol="0" anchor="ctr"/>
+            <a:lstStyle/>
+            <a:p>
+              <a:pPr algn="ctr"/>
+              <a:r>
+                <a:rPr lang="ko-KR" altLang="en-US" dirty="0">
+                  <a:solidFill>
+                    <a:schemeClr val="tx1"/>
+                  </a:solidFill>
+                </a:rPr>
+                <a:t>게시글 작성</a:t>
+              </a:r>
+              <a:endParaRPr lang="en-US" altLang="ko-KR" dirty="0">
+                <a:solidFill>
+                  <a:schemeClr val="tx1"/>
+                </a:solidFill>
+              </a:endParaRPr>
+            </a:p>
+          </p:txBody>
+        </p:sp>
+        <p:sp>
+          <p:nvSpPr>
+            <p:cNvPr id="58" name="직사각형 57">
+              <a:extLst>
+                <a:ext uri="{FF2B5EF4-FFF2-40B4-BE49-F238E27FC236}">
+                  <a16:creationId xmlns:a16="http://schemas.microsoft.com/office/drawing/2014/main" id="{942214E0-6148-3779-D944-5E370FB7A6CB}"/>
+                </a:ext>
+              </a:extLst>
+            </p:cNvPr>
+            <p:cNvSpPr/>
+            <p:nvPr/>
+          </p:nvSpPr>
+          <p:spPr>
+            <a:xfrm>
+              <a:off x="4579797" y="490654"/>
+              <a:ext cx="1854458" cy="526159"/>
+            </a:xfrm>
+            <a:prstGeom prst="rect">
+              <a:avLst/>
+            </a:prstGeom>
+            <a:solidFill>
+              <a:schemeClr val="accent6">
+                <a:lumMod val="75000"/>
+              </a:schemeClr>
+            </a:solidFill>
+          </p:spPr>
+          <p:style>
+            <a:lnRef idx="2">
+              <a:schemeClr val="accent1">
+                <a:shade val="50000"/>
+              </a:schemeClr>
+            </a:lnRef>
+            <a:fillRef idx="1">
+              <a:schemeClr val="accent1"/>
+            </a:fillRef>
+            <a:effectRef idx="0">
+              <a:schemeClr val="accent1"/>
+            </a:effectRef>
+            <a:fontRef idx="minor">
+              <a:schemeClr val="lt1"/>
+            </a:fontRef>
+          </p:style>
+          <p:txBody>
+            <a:bodyPr rtlCol="0" anchor="ctr"/>
+            <a:lstStyle/>
+            <a:p>
+              <a:pPr algn="ctr"/>
+              <a:r>
+                <a:rPr lang="en-US" altLang="ko-KR" dirty="0" err="1">
+                  <a:solidFill>
+                    <a:schemeClr val="bg1"/>
+                  </a:solidFill>
+                </a:rPr>
+                <a:t>boardPost.jsp</a:t>
+              </a:r>
+              <a:endParaRPr lang="en-US" altLang="ko-KR" dirty="0">
+                <a:solidFill>
+                  <a:schemeClr val="bg1"/>
+                </a:solidFill>
+              </a:endParaRPr>
+            </a:p>
+          </p:txBody>
+        </p:sp>
+      </p:grpSp>
+      <p:grpSp>
+        <p:nvGrpSpPr>
+          <p:cNvPr id="59" name="그룹 58">
+            <a:extLst>
+              <a:ext uri="{FF2B5EF4-FFF2-40B4-BE49-F238E27FC236}">
+                <a16:creationId xmlns:a16="http://schemas.microsoft.com/office/drawing/2014/main" id="{1931C3A4-508F-DEE1-5D04-37A8ABFD55F6}"/>
+              </a:ext>
+            </a:extLst>
+          </p:cNvPr>
+          <p:cNvGrpSpPr/>
+          <p:nvPr/>
+        </p:nvGrpSpPr>
+        <p:grpSpPr>
+          <a:xfrm>
+            <a:off x="8782902" y="114121"/>
+            <a:ext cx="1746232" cy="1440266"/>
+            <a:chOff x="4579797" y="490654"/>
+            <a:chExt cx="1854458" cy="1716081"/>
+          </a:xfrm>
+          <a:solidFill>
+            <a:schemeClr val="accent6">
+              <a:lumMod val="40000"/>
+              <a:lumOff val="60000"/>
+            </a:schemeClr>
+          </a:solidFill>
+        </p:grpSpPr>
+        <p:sp>
+          <p:nvSpPr>
+            <p:cNvPr id="60" name="직사각형 59">
+              <a:extLst>
+                <a:ext uri="{FF2B5EF4-FFF2-40B4-BE49-F238E27FC236}">
+                  <a16:creationId xmlns:a16="http://schemas.microsoft.com/office/drawing/2014/main" id="{1AB26C96-D04F-CD82-6938-C695D0E91902}"/>
+                </a:ext>
+              </a:extLst>
+            </p:cNvPr>
+            <p:cNvSpPr/>
+            <p:nvPr/>
+          </p:nvSpPr>
+          <p:spPr>
+            <a:xfrm>
+              <a:off x="4590947" y="902042"/>
+              <a:ext cx="1836123" cy="1304693"/>
+            </a:xfrm>
+            <a:prstGeom prst="rect">
+              <a:avLst/>
+            </a:prstGeom>
+            <a:grpFill/>
+            <a:ln>
+              <a:solidFill>
+                <a:schemeClr val="accent6"/>
+              </a:solidFill>
+            </a:ln>
+          </p:spPr>
+          <p:style>
+            <a:lnRef idx="2">
+              <a:schemeClr val="accent1">
+                <a:shade val="50000"/>
+              </a:schemeClr>
+            </a:lnRef>
+            <a:fillRef idx="1">
+              <a:schemeClr val="accent1"/>
+            </a:fillRef>
+            <a:effectRef idx="0">
+              <a:schemeClr val="accent1"/>
+            </a:effectRef>
+            <a:fontRef idx="minor">
+              <a:schemeClr val="lt1"/>
+            </a:fontRef>
+          </p:style>
+          <p:txBody>
+            <a:bodyPr rtlCol="0" anchor="ctr"/>
+            <a:lstStyle/>
+            <a:p>
+              <a:pPr algn="ctr"/>
+              <a:r>
+                <a:rPr lang="ko-KR" altLang="en-US" dirty="0">
+                  <a:solidFill>
+                    <a:schemeClr val="tx1"/>
+                  </a:solidFill>
+                </a:rPr>
+                <a:t>게시글 답변</a:t>
+              </a:r>
+              <a:endParaRPr lang="en-US" altLang="ko-KR" dirty="0">
+                <a:solidFill>
+                  <a:schemeClr val="tx1"/>
+                </a:solidFill>
+              </a:endParaRPr>
+            </a:p>
+          </p:txBody>
+        </p:sp>
+        <p:sp>
+          <p:nvSpPr>
+            <p:cNvPr id="61" name="직사각형 60">
+              <a:extLst>
+                <a:ext uri="{FF2B5EF4-FFF2-40B4-BE49-F238E27FC236}">
+                  <a16:creationId xmlns:a16="http://schemas.microsoft.com/office/drawing/2014/main" id="{85544861-8C60-6C68-50C3-1321D4EA24C3}"/>
+                </a:ext>
+              </a:extLst>
+            </p:cNvPr>
+            <p:cNvSpPr/>
+            <p:nvPr/>
+          </p:nvSpPr>
+          <p:spPr>
+            <a:xfrm>
+              <a:off x="4579797" y="490654"/>
+              <a:ext cx="1854458" cy="526159"/>
+            </a:xfrm>
+            <a:prstGeom prst="rect">
+              <a:avLst/>
+            </a:prstGeom>
+            <a:solidFill>
+              <a:schemeClr val="accent6">
+                <a:lumMod val="75000"/>
+              </a:schemeClr>
+            </a:solidFill>
+          </p:spPr>
+          <p:style>
+            <a:lnRef idx="2">
+              <a:schemeClr val="accent1">
+                <a:shade val="50000"/>
+              </a:schemeClr>
+            </a:lnRef>
+            <a:fillRef idx="1">
+              <a:schemeClr val="accent1"/>
+            </a:fillRef>
+            <a:effectRef idx="0">
+              <a:schemeClr val="accent1"/>
+            </a:effectRef>
+            <a:fontRef idx="minor">
+              <a:schemeClr val="lt1"/>
+            </a:fontRef>
+          </p:style>
+          <p:txBody>
+            <a:bodyPr rtlCol="0" anchor="ctr"/>
+            <a:lstStyle/>
+            <a:p>
+              <a:pPr algn="ctr"/>
+              <a:r>
+                <a:rPr lang="en-US" altLang="ko-KR" dirty="0" err="1">
+                  <a:solidFill>
+                    <a:schemeClr val="bg1"/>
+                  </a:solidFill>
+                </a:rPr>
+                <a:t>boardReply.jsp</a:t>
+              </a:r>
+              <a:endParaRPr lang="en-US" altLang="ko-KR" dirty="0">
+                <a:solidFill>
+                  <a:schemeClr val="bg1"/>
+                </a:solidFill>
+              </a:endParaRPr>
+            </a:p>
+          </p:txBody>
+        </p:sp>
+      </p:grpSp>
+      <p:grpSp>
+        <p:nvGrpSpPr>
+          <p:cNvPr id="68" name="그룹 67">
+            <a:extLst>
+              <a:ext uri="{FF2B5EF4-FFF2-40B4-BE49-F238E27FC236}">
+                <a16:creationId xmlns:a16="http://schemas.microsoft.com/office/drawing/2014/main" id="{D099D1A0-3424-3990-18F5-52995F5C46B3}"/>
+              </a:ext>
+            </a:extLst>
+          </p:cNvPr>
+          <p:cNvGrpSpPr/>
+          <p:nvPr/>
+        </p:nvGrpSpPr>
+        <p:grpSpPr>
+          <a:xfrm>
+            <a:off x="3072685" y="2724523"/>
+            <a:ext cx="1386801" cy="996030"/>
+            <a:chOff x="4579797" y="490654"/>
+            <a:chExt cx="1854458" cy="1186772"/>
+          </a:xfrm>
+          <a:solidFill>
+            <a:schemeClr val="accent6">
+              <a:lumMod val="40000"/>
+              <a:lumOff val="60000"/>
+            </a:schemeClr>
+          </a:solidFill>
+        </p:grpSpPr>
+        <p:sp>
+          <p:nvSpPr>
+            <p:cNvPr id="69" name="직사각형 68">
+              <a:extLst>
+                <a:ext uri="{FF2B5EF4-FFF2-40B4-BE49-F238E27FC236}">
+                  <a16:creationId xmlns:a16="http://schemas.microsoft.com/office/drawing/2014/main" id="{3CD6066A-D896-EB85-7963-131DF085A2B4}"/>
+                </a:ext>
+              </a:extLst>
+            </p:cNvPr>
+            <p:cNvSpPr/>
+            <p:nvPr/>
+          </p:nvSpPr>
+          <p:spPr>
+            <a:xfrm>
+              <a:off x="4590947" y="902042"/>
+              <a:ext cx="1836123" cy="775384"/>
+            </a:xfrm>
+            <a:prstGeom prst="rect">
+              <a:avLst/>
+            </a:prstGeom>
+            <a:solidFill>
+              <a:schemeClr val="accent1">
+                <a:lumMod val="20000"/>
+                <a:lumOff val="80000"/>
+              </a:schemeClr>
+            </a:solidFill>
+            <a:ln>
+              <a:solidFill>
+                <a:schemeClr val="accent1">
+                  <a:lumMod val="75000"/>
+                </a:schemeClr>
+              </a:solidFill>
+            </a:ln>
+          </p:spPr>
+          <p:style>
+            <a:lnRef idx="2">
+              <a:schemeClr val="accent1">
+                <a:shade val="50000"/>
+              </a:schemeClr>
+            </a:lnRef>
+            <a:fillRef idx="1">
+              <a:schemeClr val="accent1"/>
+            </a:fillRef>
+            <a:effectRef idx="0">
+              <a:schemeClr val="accent1"/>
+            </a:effectRef>
+            <a:fontRef idx="minor">
+              <a:schemeClr val="lt1"/>
+            </a:fontRef>
+          </p:style>
+          <p:txBody>
+            <a:bodyPr rtlCol="0" anchor="ctr"/>
+            <a:lstStyle/>
+            <a:p>
+              <a:pPr algn="ctr"/>
+              <a:r>
+                <a:rPr lang="ko-KR" altLang="en-US" dirty="0">
+                  <a:solidFill>
+                    <a:schemeClr val="tx1"/>
+                  </a:solidFill>
+                </a:rPr>
+                <a:t>회원가입</a:t>
+              </a:r>
+              <a:endParaRPr lang="en-US" altLang="ko-KR" dirty="0">
+                <a:solidFill>
+                  <a:schemeClr val="tx1"/>
+                </a:solidFill>
+              </a:endParaRPr>
+            </a:p>
+          </p:txBody>
+        </p:sp>
+        <p:sp>
+          <p:nvSpPr>
+            <p:cNvPr id="70" name="직사각형 69">
+              <a:extLst>
+                <a:ext uri="{FF2B5EF4-FFF2-40B4-BE49-F238E27FC236}">
+                  <a16:creationId xmlns:a16="http://schemas.microsoft.com/office/drawing/2014/main" id="{AFAF22DA-4727-E62E-D635-936F10B6959E}"/>
+                </a:ext>
+              </a:extLst>
+            </p:cNvPr>
+            <p:cNvSpPr/>
+            <p:nvPr/>
+          </p:nvSpPr>
+          <p:spPr>
+            <a:xfrm>
+              <a:off x="4579797" y="490654"/>
+              <a:ext cx="1854458" cy="526159"/>
+            </a:xfrm>
+            <a:prstGeom prst="rect">
+              <a:avLst/>
+            </a:prstGeom>
+            <a:solidFill>
+              <a:srgbClr val="4472C4"/>
+            </a:solidFill>
+            <a:ln>
+              <a:solidFill>
+                <a:schemeClr val="accent1">
+                  <a:lumMod val="75000"/>
+                </a:schemeClr>
+              </a:solidFill>
+            </a:ln>
+          </p:spPr>
+          <p:style>
+            <a:lnRef idx="2">
+              <a:schemeClr val="accent1">
+                <a:shade val="50000"/>
+              </a:schemeClr>
+            </a:lnRef>
+            <a:fillRef idx="1">
+              <a:schemeClr val="accent1"/>
+            </a:fillRef>
+            <a:effectRef idx="0">
+              <a:schemeClr val="accent1"/>
+            </a:effectRef>
+            <a:fontRef idx="minor">
+              <a:schemeClr val="lt1"/>
+            </a:fontRef>
+          </p:style>
+          <p:txBody>
+            <a:bodyPr rtlCol="0" anchor="ctr"/>
+            <a:lstStyle/>
+            <a:p>
+              <a:pPr algn="ctr"/>
+              <a:r>
+                <a:rPr lang="en-US" altLang="ko-KR" dirty="0" err="1">
+                  <a:solidFill>
+                    <a:schemeClr val="bg1"/>
+                  </a:solidFill>
+                </a:rPr>
+                <a:t>join.jsp</a:t>
+              </a:r>
+              <a:endParaRPr lang="en-US" altLang="ko-KR" dirty="0">
+                <a:solidFill>
+                  <a:schemeClr val="bg1"/>
+                </a:solidFill>
+              </a:endParaRPr>
+            </a:p>
+          </p:txBody>
+        </p:sp>
+      </p:grpSp>
+      <p:grpSp>
+        <p:nvGrpSpPr>
+          <p:cNvPr id="74" name="그룹 73">
+            <a:extLst>
+              <a:ext uri="{FF2B5EF4-FFF2-40B4-BE49-F238E27FC236}">
+                <a16:creationId xmlns:a16="http://schemas.microsoft.com/office/drawing/2014/main" id="{85AAE366-FA95-3481-2616-F193DD8CB40F}"/>
+              </a:ext>
+            </a:extLst>
+          </p:cNvPr>
+          <p:cNvGrpSpPr/>
+          <p:nvPr/>
+        </p:nvGrpSpPr>
+        <p:grpSpPr>
+          <a:xfrm>
+            <a:off x="1578482" y="2724523"/>
+            <a:ext cx="1386801" cy="996030"/>
+            <a:chOff x="4579797" y="490654"/>
+            <a:chExt cx="1854458" cy="1186772"/>
+          </a:xfrm>
+          <a:solidFill>
+            <a:schemeClr val="accent6">
+              <a:lumMod val="40000"/>
+              <a:lumOff val="60000"/>
+            </a:schemeClr>
+          </a:solidFill>
+        </p:grpSpPr>
+        <p:sp>
+          <p:nvSpPr>
+            <p:cNvPr id="75" name="직사각형 74">
+              <a:extLst>
+                <a:ext uri="{FF2B5EF4-FFF2-40B4-BE49-F238E27FC236}">
+                  <a16:creationId xmlns:a16="http://schemas.microsoft.com/office/drawing/2014/main" id="{8A3EFB99-1C21-1A25-A175-16B8055FDC27}"/>
+                </a:ext>
+              </a:extLst>
+            </p:cNvPr>
+            <p:cNvSpPr/>
+            <p:nvPr/>
+          </p:nvSpPr>
+          <p:spPr>
+            <a:xfrm>
+              <a:off x="4590947" y="902042"/>
+              <a:ext cx="1836123" cy="775384"/>
+            </a:xfrm>
+            <a:prstGeom prst="rect">
+              <a:avLst/>
+            </a:prstGeom>
+            <a:solidFill>
+              <a:schemeClr val="accent1">
+                <a:lumMod val="20000"/>
+                <a:lumOff val="80000"/>
+              </a:schemeClr>
+            </a:solidFill>
+            <a:ln>
+              <a:solidFill>
+                <a:schemeClr val="accent1">
+                  <a:lumMod val="75000"/>
+                </a:schemeClr>
+              </a:solidFill>
+            </a:ln>
+          </p:spPr>
+          <p:style>
+            <a:lnRef idx="2">
+              <a:schemeClr val="accent1">
+                <a:shade val="50000"/>
+              </a:schemeClr>
+            </a:lnRef>
+            <a:fillRef idx="1">
+              <a:schemeClr val="accent1"/>
+            </a:fillRef>
+            <a:effectRef idx="0">
+              <a:schemeClr val="accent1"/>
+            </a:effectRef>
+            <a:fontRef idx="minor">
+              <a:schemeClr val="lt1"/>
+            </a:fontRef>
+          </p:style>
+          <p:txBody>
+            <a:bodyPr rtlCol="0" anchor="ctr"/>
+            <a:lstStyle/>
+            <a:p>
+              <a:pPr algn="ctr"/>
+              <a:r>
+                <a:rPr lang="ko-KR" altLang="en-US" dirty="0">
+                  <a:solidFill>
+                    <a:schemeClr val="tx1"/>
+                  </a:solidFill>
+                </a:rPr>
+                <a:t>로그인</a:t>
+              </a:r>
+              <a:endParaRPr lang="en-US" altLang="ko-KR" dirty="0">
+                <a:solidFill>
+                  <a:schemeClr val="tx1"/>
+                </a:solidFill>
+              </a:endParaRPr>
+            </a:p>
+          </p:txBody>
+        </p:sp>
+        <p:sp>
+          <p:nvSpPr>
+            <p:cNvPr id="76" name="직사각형 75">
+              <a:extLst>
+                <a:ext uri="{FF2B5EF4-FFF2-40B4-BE49-F238E27FC236}">
+                  <a16:creationId xmlns:a16="http://schemas.microsoft.com/office/drawing/2014/main" id="{9B875947-26DD-6347-429D-FFA8F2DCB175}"/>
+                </a:ext>
+              </a:extLst>
+            </p:cNvPr>
+            <p:cNvSpPr/>
+            <p:nvPr/>
+          </p:nvSpPr>
+          <p:spPr>
+            <a:xfrm>
+              <a:off x="4579797" y="490654"/>
+              <a:ext cx="1854458" cy="526159"/>
+            </a:xfrm>
+            <a:prstGeom prst="rect">
+              <a:avLst/>
+            </a:prstGeom>
+            <a:solidFill>
+              <a:srgbClr val="4472C4"/>
+            </a:solidFill>
+            <a:ln>
+              <a:solidFill>
+                <a:schemeClr val="accent1">
+                  <a:lumMod val="75000"/>
+                </a:schemeClr>
+              </a:solidFill>
+            </a:ln>
+          </p:spPr>
+          <p:style>
+            <a:lnRef idx="2">
+              <a:schemeClr val="accent1">
+                <a:shade val="50000"/>
+              </a:schemeClr>
+            </a:lnRef>
+            <a:fillRef idx="1">
+              <a:schemeClr val="accent1"/>
+            </a:fillRef>
+            <a:effectRef idx="0">
+              <a:schemeClr val="accent1"/>
+            </a:effectRef>
+            <a:fontRef idx="minor">
+              <a:schemeClr val="lt1"/>
+            </a:fontRef>
+          </p:style>
+          <p:txBody>
+            <a:bodyPr rtlCol="0" anchor="ctr"/>
+            <a:lstStyle/>
+            <a:p>
+              <a:pPr algn="ctr"/>
+              <a:r>
+                <a:rPr lang="en-US" altLang="ko-KR" dirty="0" err="1">
+                  <a:solidFill>
+                    <a:schemeClr val="bg1"/>
+                  </a:solidFill>
+                </a:rPr>
+                <a:t>login.jsp</a:t>
+              </a:r>
+              <a:endParaRPr lang="en-US" altLang="ko-KR" dirty="0">
+                <a:solidFill>
+                  <a:schemeClr val="bg1"/>
+                </a:solidFill>
+              </a:endParaRPr>
+            </a:p>
+          </p:txBody>
+        </p:sp>
+      </p:grpSp>
+      <p:grpSp>
+        <p:nvGrpSpPr>
+          <p:cNvPr id="77" name="그룹 76">
+            <a:extLst>
+              <a:ext uri="{FF2B5EF4-FFF2-40B4-BE49-F238E27FC236}">
+                <a16:creationId xmlns:a16="http://schemas.microsoft.com/office/drawing/2014/main" id="{45A6D26A-346F-A67B-0856-37D260A5F824}"/>
+              </a:ext>
+            </a:extLst>
+          </p:cNvPr>
+          <p:cNvGrpSpPr/>
+          <p:nvPr/>
+        </p:nvGrpSpPr>
+        <p:grpSpPr>
+          <a:xfrm>
+            <a:off x="97841" y="2743454"/>
+            <a:ext cx="1386801" cy="996030"/>
+            <a:chOff x="4579797" y="490654"/>
+            <a:chExt cx="1854458" cy="1186772"/>
+          </a:xfrm>
+          <a:solidFill>
+            <a:schemeClr val="accent6">
+              <a:lumMod val="40000"/>
+              <a:lumOff val="60000"/>
+            </a:schemeClr>
+          </a:solidFill>
+        </p:grpSpPr>
+        <p:sp>
+          <p:nvSpPr>
+            <p:cNvPr id="78" name="직사각형 77">
+              <a:extLst>
+                <a:ext uri="{FF2B5EF4-FFF2-40B4-BE49-F238E27FC236}">
+                  <a16:creationId xmlns:a16="http://schemas.microsoft.com/office/drawing/2014/main" id="{97059E3A-73CE-BD24-6DF5-490FC43AD065}"/>
+                </a:ext>
+              </a:extLst>
+            </p:cNvPr>
+            <p:cNvSpPr/>
+            <p:nvPr/>
+          </p:nvSpPr>
+          <p:spPr>
+            <a:xfrm>
+              <a:off x="4590947" y="902042"/>
+              <a:ext cx="1836123" cy="775384"/>
+            </a:xfrm>
+            <a:prstGeom prst="rect">
+              <a:avLst/>
+            </a:prstGeom>
+            <a:solidFill>
+              <a:schemeClr val="accent1">
+                <a:lumMod val="20000"/>
+                <a:lumOff val="80000"/>
+              </a:schemeClr>
+            </a:solidFill>
+            <a:ln>
+              <a:solidFill>
+                <a:schemeClr val="accent1">
+                  <a:lumMod val="75000"/>
+                </a:schemeClr>
+              </a:solidFill>
+            </a:ln>
+          </p:spPr>
+          <p:style>
+            <a:lnRef idx="2">
+              <a:schemeClr val="accent1">
+                <a:shade val="50000"/>
+              </a:schemeClr>
+            </a:lnRef>
+            <a:fillRef idx="1">
+              <a:schemeClr val="accent1"/>
+            </a:fillRef>
+            <a:effectRef idx="0">
+              <a:schemeClr val="accent1"/>
+            </a:effectRef>
+            <a:fontRef idx="minor">
+              <a:schemeClr val="lt1"/>
+            </a:fontRef>
+          </p:style>
+          <p:txBody>
+            <a:bodyPr rtlCol="0" anchor="ctr"/>
+            <a:lstStyle/>
+            <a:p>
+              <a:pPr algn="ctr"/>
+              <a:r>
+                <a:rPr lang="en-US" altLang="ko-KR" sz="1400" dirty="0">
+                  <a:solidFill>
+                    <a:schemeClr val="tx1"/>
+                  </a:solidFill>
+                </a:rPr>
+                <a:t>ID/PW</a:t>
+              </a:r>
+              <a:r>
+                <a:rPr lang="ko-KR" altLang="en-US" sz="1400" dirty="0">
+                  <a:solidFill>
+                    <a:schemeClr val="tx1"/>
+                  </a:solidFill>
+                </a:rPr>
+                <a:t> 찾기</a:t>
+              </a:r>
+              <a:endParaRPr lang="en-US" altLang="ko-KR" sz="1400" dirty="0">
+                <a:solidFill>
+                  <a:schemeClr val="tx1"/>
+                </a:solidFill>
+              </a:endParaRPr>
+            </a:p>
+          </p:txBody>
+        </p:sp>
+        <p:sp>
+          <p:nvSpPr>
+            <p:cNvPr id="79" name="직사각형 78">
+              <a:extLst>
+                <a:ext uri="{FF2B5EF4-FFF2-40B4-BE49-F238E27FC236}">
+                  <a16:creationId xmlns:a16="http://schemas.microsoft.com/office/drawing/2014/main" id="{7A41694B-011F-721B-465D-7D6B52FDB31C}"/>
+                </a:ext>
+              </a:extLst>
+            </p:cNvPr>
+            <p:cNvSpPr/>
+            <p:nvPr/>
+          </p:nvSpPr>
+          <p:spPr>
+            <a:xfrm>
+              <a:off x="4579797" y="490654"/>
+              <a:ext cx="1854458" cy="526159"/>
+            </a:xfrm>
+            <a:prstGeom prst="rect">
+              <a:avLst/>
+            </a:prstGeom>
+            <a:solidFill>
+              <a:srgbClr val="4472C4"/>
+            </a:solidFill>
+            <a:ln>
+              <a:solidFill>
+                <a:schemeClr val="accent1">
+                  <a:lumMod val="75000"/>
+                </a:schemeClr>
+              </a:solidFill>
+            </a:ln>
+          </p:spPr>
+          <p:style>
+            <a:lnRef idx="2">
+              <a:schemeClr val="accent1">
+                <a:shade val="50000"/>
+              </a:schemeClr>
+            </a:lnRef>
+            <a:fillRef idx="1">
+              <a:schemeClr val="accent1"/>
+            </a:fillRef>
+            <a:effectRef idx="0">
+              <a:schemeClr val="accent1"/>
+            </a:effectRef>
+            <a:fontRef idx="minor">
+              <a:schemeClr val="lt1"/>
+            </a:fontRef>
+          </p:style>
+          <p:txBody>
+            <a:bodyPr rtlCol="0" anchor="ctr"/>
+            <a:lstStyle/>
+            <a:p>
+              <a:pPr algn="ctr"/>
+              <a:r>
+                <a:rPr lang="en-US" altLang="ko-KR" dirty="0" err="1">
+                  <a:solidFill>
+                    <a:schemeClr val="bg1"/>
+                  </a:solidFill>
+                </a:rPr>
+                <a:t>Search.jsp</a:t>
+              </a:r>
+              <a:endParaRPr lang="en-US" altLang="ko-KR" dirty="0">
+                <a:solidFill>
+                  <a:schemeClr val="bg1"/>
+                </a:solidFill>
+              </a:endParaRPr>
+            </a:p>
+          </p:txBody>
+        </p:sp>
+      </p:grpSp>
+      <p:grpSp>
+        <p:nvGrpSpPr>
+          <p:cNvPr id="80" name="그룹 79">
+            <a:extLst>
+              <a:ext uri="{FF2B5EF4-FFF2-40B4-BE49-F238E27FC236}">
+                <a16:creationId xmlns:a16="http://schemas.microsoft.com/office/drawing/2014/main" id="{F96BFC56-48DE-B41F-95FF-10581BBF9A7D}"/>
+              </a:ext>
+            </a:extLst>
+          </p:cNvPr>
+          <p:cNvGrpSpPr/>
+          <p:nvPr/>
+        </p:nvGrpSpPr>
+        <p:grpSpPr>
+          <a:xfrm>
+            <a:off x="862362" y="3970095"/>
+            <a:ext cx="2520936" cy="814933"/>
+            <a:chOff x="4579797" y="490654"/>
+            <a:chExt cx="1854458" cy="970994"/>
+          </a:xfrm>
+          <a:solidFill>
+            <a:schemeClr val="accent6">
+              <a:lumMod val="40000"/>
+              <a:lumOff val="60000"/>
+            </a:schemeClr>
+          </a:solidFill>
+        </p:grpSpPr>
+        <p:sp>
+          <p:nvSpPr>
+            <p:cNvPr id="81" name="직사각형 80">
+              <a:extLst>
+                <a:ext uri="{FF2B5EF4-FFF2-40B4-BE49-F238E27FC236}">
+                  <a16:creationId xmlns:a16="http://schemas.microsoft.com/office/drawing/2014/main" id="{FC73D1D0-96DF-6DA0-21E3-5D592BA57D35}"/>
+                </a:ext>
+              </a:extLst>
+            </p:cNvPr>
+            <p:cNvSpPr/>
+            <p:nvPr/>
+          </p:nvSpPr>
+          <p:spPr>
+            <a:xfrm>
+              <a:off x="4590947" y="902042"/>
+              <a:ext cx="1836123" cy="559606"/>
+            </a:xfrm>
+            <a:prstGeom prst="rect">
+              <a:avLst/>
+            </a:prstGeom>
+            <a:solidFill>
+              <a:schemeClr val="accent1">
+                <a:lumMod val="20000"/>
+                <a:lumOff val="80000"/>
+              </a:schemeClr>
+            </a:solidFill>
+            <a:ln>
+              <a:solidFill>
+                <a:schemeClr val="accent1">
+                  <a:lumMod val="75000"/>
+                </a:schemeClr>
+              </a:solidFill>
+            </a:ln>
+          </p:spPr>
+          <p:style>
+            <a:lnRef idx="2">
+              <a:schemeClr val="accent1">
+                <a:shade val="50000"/>
+              </a:schemeClr>
+            </a:lnRef>
+            <a:fillRef idx="1">
+              <a:schemeClr val="accent1"/>
+            </a:fillRef>
+            <a:effectRef idx="0">
+              <a:schemeClr val="accent1"/>
+            </a:effectRef>
+            <a:fontRef idx="minor">
+              <a:schemeClr val="lt1"/>
+            </a:fontRef>
+          </p:style>
+          <p:txBody>
+            <a:bodyPr rtlCol="0" anchor="ctr"/>
+            <a:lstStyle/>
+            <a:p>
+              <a:pPr algn="ctr"/>
+              <a:r>
+                <a:rPr lang="ko-KR" altLang="en-US">
+                  <a:solidFill>
+                    <a:schemeClr val="tx1"/>
+                  </a:solidFill>
+                </a:rPr>
+                <a:t>회원 페이지 링크</a:t>
+              </a:r>
+              <a:endParaRPr lang="en-US" altLang="ko-KR" dirty="0">
+                <a:solidFill>
+                  <a:schemeClr val="tx1"/>
+                </a:solidFill>
+              </a:endParaRPr>
+            </a:p>
+          </p:txBody>
+        </p:sp>
+        <p:sp>
+          <p:nvSpPr>
+            <p:cNvPr id="82" name="직사각형 81">
+              <a:extLst>
+                <a:ext uri="{FF2B5EF4-FFF2-40B4-BE49-F238E27FC236}">
+                  <a16:creationId xmlns:a16="http://schemas.microsoft.com/office/drawing/2014/main" id="{A87A66E5-387B-B1B3-794C-C32860FF89F0}"/>
+                </a:ext>
+              </a:extLst>
+            </p:cNvPr>
+            <p:cNvSpPr/>
+            <p:nvPr/>
+          </p:nvSpPr>
+          <p:spPr>
+            <a:xfrm>
+              <a:off x="4579797" y="490654"/>
+              <a:ext cx="1854458" cy="526159"/>
+            </a:xfrm>
+            <a:prstGeom prst="rect">
+              <a:avLst/>
+            </a:prstGeom>
+            <a:solidFill>
+              <a:srgbClr val="4472C4"/>
+            </a:solidFill>
+            <a:ln>
+              <a:solidFill>
+                <a:schemeClr val="accent1">
+                  <a:lumMod val="75000"/>
+                </a:schemeClr>
+              </a:solidFill>
+            </a:ln>
+          </p:spPr>
+          <p:style>
+            <a:lnRef idx="2">
+              <a:schemeClr val="accent1">
+                <a:shade val="50000"/>
+              </a:schemeClr>
+            </a:lnRef>
+            <a:fillRef idx="1">
+              <a:schemeClr val="accent1"/>
+            </a:fillRef>
+            <a:effectRef idx="0">
+              <a:schemeClr val="accent1"/>
+            </a:effectRef>
+            <a:fontRef idx="minor">
+              <a:schemeClr val="lt1"/>
+            </a:fontRef>
+          </p:style>
+          <p:txBody>
+            <a:bodyPr rtlCol="0" anchor="ctr"/>
+            <a:lstStyle/>
+            <a:p>
+              <a:pPr algn="ctr"/>
+              <a:r>
+                <a:rPr lang="en-US" altLang="ko-KR" dirty="0" err="1">
+                  <a:solidFill>
+                    <a:schemeClr val="bg1"/>
+                  </a:solidFill>
+                </a:rPr>
+                <a:t>myPageIndex.jsp</a:t>
+              </a:r>
+              <a:endParaRPr lang="en-US" altLang="ko-KR" dirty="0">
+                <a:solidFill>
+                  <a:schemeClr val="bg1"/>
+                </a:solidFill>
+              </a:endParaRPr>
+            </a:p>
+          </p:txBody>
+        </p:sp>
+      </p:grpSp>
+      <p:grpSp>
+        <p:nvGrpSpPr>
+          <p:cNvPr id="83" name="그룹 82">
+            <a:extLst>
+              <a:ext uri="{FF2B5EF4-FFF2-40B4-BE49-F238E27FC236}">
+                <a16:creationId xmlns:a16="http://schemas.microsoft.com/office/drawing/2014/main" id="{B404769F-13AD-0720-B999-2A33CD69961C}"/>
+              </a:ext>
+            </a:extLst>
+          </p:cNvPr>
+          <p:cNvGrpSpPr/>
+          <p:nvPr/>
+        </p:nvGrpSpPr>
+        <p:grpSpPr>
+          <a:xfrm>
+            <a:off x="117385" y="5453406"/>
+            <a:ext cx="1876449" cy="996030"/>
+            <a:chOff x="4579796" y="490654"/>
+            <a:chExt cx="1854458" cy="1186772"/>
+          </a:xfrm>
+          <a:solidFill>
+            <a:schemeClr val="accent6">
+              <a:lumMod val="40000"/>
+              <a:lumOff val="60000"/>
+            </a:schemeClr>
+          </a:solidFill>
+        </p:grpSpPr>
+        <p:sp>
+          <p:nvSpPr>
+            <p:cNvPr id="84" name="직사각형 83">
+              <a:extLst>
+                <a:ext uri="{FF2B5EF4-FFF2-40B4-BE49-F238E27FC236}">
+                  <a16:creationId xmlns:a16="http://schemas.microsoft.com/office/drawing/2014/main" id="{878EE6C6-B1FD-B3C9-3F14-FE8A46908882}"/>
+                </a:ext>
+              </a:extLst>
+            </p:cNvPr>
+            <p:cNvSpPr/>
+            <p:nvPr/>
+          </p:nvSpPr>
+          <p:spPr>
+            <a:xfrm>
+              <a:off x="4590947" y="902042"/>
+              <a:ext cx="1836123" cy="775384"/>
+            </a:xfrm>
+            <a:prstGeom prst="rect">
+              <a:avLst/>
+            </a:prstGeom>
+            <a:solidFill>
+              <a:schemeClr val="accent1">
+                <a:lumMod val="20000"/>
+                <a:lumOff val="80000"/>
+              </a:schemeClr>
+            </a:solidFill>
+            <a:ln>
+              <a:solidFill>
+                <a:schemeClr val="accent1">
+                  <a:lumMod val="75000"/>
+                </a:schemeClr>
+              </a:solidFill>
+            </a:ln>
+          </p:spPr>
+          <p:style>
+            <a:lnRef idx="2">
+              <a:schemeClr val="accent1">
+                <a:shade val="50000"/>
+              </a:schemeClr>
+            </a:lnRef>
+            <a:fillRef idx="1">
+              <a:schemeClr val="accent1"/>
+            </a:fillRef>
+            <a:effectRef idx="0">
+              <a:schemeClr val="accent1"/>
+            </a:effectRef>
+            <a:fontRef idx="minor">
+              <a:schemeClr val="lt1"/>
+            </a:fontRef>
+          </p:style>
+          <p:txBody>
+            <a:bodyPr rtlCol="0" anchor="ctr"/>
+            <a:lstStyle/>
+            <a:p>
+              <a:pPr algn="ctr"/>
+              <a:r>
+                <a:rPr lang="ko-KR" altLang="en-US" dirty="0">
+                  <a:solidFill>
+                    <a:schemeClr val="tx1"/>
+                  </a:solidFill>
+                </a:rPr>
+                <a:t>회원정보 수정</a:t>
+              </a:r>
+              <a:endParaRPr lang="en-US" altLang="ko-KR" dirty="0">
+                <a:solidFill>
+                  <a:schemeClr val="tx1"/>
+                </a:solidFill>
+              </a:endParaRPr>
+            </a:p>
+          </p:txBody>
+        </p:sp>
+        <p:sp>
+          <p:nvSpPr>
+            <p:cNvPr id="85" name="직사각형 84">
+              <a:extLst>
+                <a:ext uri="{FF2B5EF4-FFF2-40B4-BE49-F238E27FC236}">
+                  <a16:creationId xmlns:a16="http://schemas.microsoft.com/office/drawing/2014/main" id="{519874B3-7BAD-8BA3-6E91-42D83DB31689}"/>
+                </a:ext>
+              </a:extLst>
+            </p:cNvPr>
+            <p:cNvSpPr/>
+            <p:nvPr/>
+          </p:nvSpPr>
+          <p:spPr>
+            <a:xfrm>
+              <a:off x="4579796" y="490654"/>
+              <a:ext cx="1854458" cy="526159"/>
+            </a:xfrm>
+            <a:prstGeom prst="rect">
+              <a:avLst/>
+            </a:prstGeom>
+            <a:solidFill>
+              <a:srgbClr val="4472C4"/>
+            </a:solidFill>
+            <a:ln>
+              <a:solidFill>
+                <a:schemeClr val="accent1">
+                  <a:lumMod val="75000"/>
+                </a:schemeClr>
+              </a:solidFill>
+            </a:ln>
+          </p:spPr>
+          <p:style>
+            <a:lnRef idx="2">
+              <a:schemeClr val="accent1">
+                <a:shade val="50000"/>
+              </a:schemeClr>
+            </a:lnRef>
+            <a:fillRef idx="1">
+              <a:schemeClr val="accent1"/>
+            </a:fillRef>
+            <a:effectRef idx="0">
+              <a:schemeClr val="accent1"/>
+            </a:effectRef>
+            <a:fontRef idx="minor">
+              <a:schemeClr val="lt1"/>
+            </a:fontRef>
+          </p:style>
+          <p:txBody>
+            <a:bodyPr rtlCol="0" anchor="ctr"/>
+            <a:lstStyle/>
+            <a:p>
+              <a:pPr algn="ctr"/>
+              <a:r>
+                <a:rPr lang="en-US" altLang="ko-KR" dirty="0" err="1">
+                  <a:solidFill>
+                    <a:schemeClr val="bg1"/>
+                  </a:solidFill>
+                </a:rPr>
+                <a:t>JoinUpdate.jsp</a:t>
+              </a:r>
+              <a:endParaRPr lang="en-US" altLang="ko-KR" dirty="0">
+                <a:solidFill>
+                  <a:schemeClr val="bg1"/>
+                </a:solidFill>
+              </a:endParaRPr>
+            </a:p>
+          </p:txBody>
+        </p:sp>
+      </p:grpSp>
+      <p:grpSp>
+        <p:nvGrpSpPr>
+          <p:cNvPr id="86" name="그룹 85">
+            <a:extLst>
+              <a:ext uri="{FF2B5EF4-FFF2-40B4-BE49-F238E27FC236}">
+                <a16:creationId xmlns:a16="http://schemas.microsoft.com/office/drawing/2014/main" id="{CD5BE027-A04F-270C-BE23-29D726407652}"/>
+              </a:ext>
+            </a:extLst>
+          </p:cNvPr>
+          <p:cNvGrpSpPr/>
+          <p:nvPr/>
+        </p:nvGrpSpPr>
+        <p:grpSpPr>
+          <a:xfrm>
+            <a:off x="2592722" y="4824392"/>
+            <a:ext cx="2140956" cy="926796"/>
+            <a:chOff x="4579796" y="490654"/>
+            <a:chExt cx="1854458" cy="1027357"/>
+          </a:xfrm>
+          <a:solidFill>
+            <a:schemeClr val="accent6">
+              <a:lumMod val="40000"/>
+              <a:lumOff val="60000"/>
+            </a:schemeClr>
+          </a:solidFill>
+        </p:grpSpPr>
+        <p:sp>
+          <p:nvSpPr>
+            <p:cNvPr id="87" name="직사각형 86">
+              <a:extLst>
+                <a:ext uri="{FF2B5EF4-FFF2-40B4-BE49-F238E27FC236}">
+                  <a16:creationId xmlns:a16="http://schemas.microsoft.com/office/drawing/2014/main" id="{908C1A5B-8491-0EC9-27F0-6F2610B51DF6}"/>
+                </a:ext>
+              </a:extLst>
+            </p:cNvPr>
+            <p:cNvSpPr/>
+            <p:nvPr/>
+          </p:nvSpPr>
+          <p:spPr>
+            <a:xfrm>
+              <a:off x="4588964" y="1028503"/>
+              <a:ext cx="1836123" cy="489508"/>
+            </a:xfrm>
+            <a:prstGeom prst="rect">
+              <a:avLst/>
+            </a:prstGeom>
+            <a:solidFill>
+              <a:schemeClr val="accent1">
+                <a:lumMod val="20000"/>
+                <a:lumOff val="80000"/>
+              </a:schemeClr>
+            </a:solidFill>
+            <a:ln>
+              <a:solidFill>
+                <a:schemeClr val="accent1">
+                  <a:lumMod val="75000"/>
+                </a:schemeClr>
+              </a:solidFill>
+            </a:ln>
+          </p:spPr>
+          <p:style>
+            <a:lnRef idx="2">
+              <a:schemeClr val="accent1">
+                <a:shade val="50000"/>
+              </a:schemeClr>
+            </a:lnRef>
+            <a:fillRef idx="1">
+              <a:schemeClr val="accent1"/>
+            </a:fillRef>
+            <a:effectRef idx="0">
+              <a:schemeClr val="accent1"/>
+            </a:effectRef>
+            <a:fontRef idx="minor">
+              <a:schemeClr val="lt1"/>
+            </a:fontRef>
+          </p:style>
+          <p:txBody>
+            <a:bodyPr rtlCol="0" anchor="ctr"/>
+            <a:lstStyle/>
+            <a:p>
+              <a:pPr algn="ctr"/>
+              <a:r>
+                <a:rPr lang="ko-KR" altLang="en-US" dirty="0" err="1">
+                  <a:solidFill>
+                    <a:schemeClr val="tx1"/>
+                  </a:solidFill>
+                </a:rPr>
+                <a:t>좋아요한</a:t>
+              </a:r>
+              <a:r>
+                <a:rPr lang="ko-KR" altLang="en-US" dirty="0">
+                  <a:solidFill>
+                    <a:schemeClr val="tx1"/>
+                  </a:solidFill>
+                </a:rPr>
+                <a:t> 게시글</a:t>
+              </a:r>
+              <a:endParaRPr lang="en-US" altLang="ko-KR" dirty="0">
+                <a:solidFill>
+                  <a:schemeClr val="tx1"/>
+                </a:solidFill>
+              </a:endParaRPr>
+            </a:p>
+          </p:txBody>
+        </p:sp>
+        <p:sp>
+          <p:nvSpPr>
+            <p:cNvPr id="88" name="직사각형 87">
+              <a:extLst>
+                <a:ext uri="{FF2B5EF4-FFF2-40B4-BE49-F238E27FC236}">
+                  <a16:creationId xmlns:a16="http://schemas.microsoft.com/office/drawing/2014/main" id="{5D34F57E-AA14-4CB9-655E-0670CE60EE71}"/>
+                </a:ext>
+              </a:extLst>
+            </p:cNvPr>
+            <p:cNvSpPr/>
+            <p:nvPr/>
+          </p:nvSpPr>
+          <p:spPr>
+            <a:xfrm>
+              <a:off x="4579796" y="490654"/>
+              <a:ext cx="1854458" cy="526159"/>
+            </a:xfrm>
+            <a:prstGeom prst="rect">
+              <a:avLst/>
+            </a:prstGeom>
+            <a:solidFill>
+              <a:srgbClr val="4472C4"/>
+            </a:solidFill>
+            <a:ln>
+              <a:solidFill>
+                <a:schemeClr val="accent1">
+                  <a:lumMod val="75000"/>
+                </a:schemeClr>
+              </a:solidFill>
+            </a:ln>
+          </p:spPr>
+          <p:style>
+            <a:lnRef idx="2">
+              <a:schemeClr val="accent1">
+                <a:shade val="50000"/>
+              </a:schemeClr>
+            </a:lnRef>
+            <a:fillRef idx="1">
+              <a:schemeClr val="accent1"/>
+            </a:fillRef>
+            <a:effectRef idx="0">
+              <a:schemeClr val="accent1"/>
+            </a:effectRef>
+            <a:fontRef idx="minor">
+              <a:schemeClr val="lt1"/>
+            </a:fontRef>
+          </p:style>
+          <p:txBody>
+            <a:bodyPr rtlCol="0" anchor="ctr"/>
+            <a:lstStyle/>
+            <a:p>
+              <a:pPr algn="ctr"/>
+              <a:r>
+                <a:rPr lang="en-US" altLang="ko-KR" dirty="0" err="1">
+                  <a:solidFill>
+                    <a:schemeClr val="bg1"/>
+                  </a:solidFill>
+                </a:rPr>
+                <a:t>memberLikes.jsp</a:t>
+              </a:r>
+              <a:endParaRPr lang="en-US" altLang="ko-KR" dirty="0">
+                <a:solidFill>
+                  <a:schemeClr val="bg1"/>
+                </a:solidFill>
+              </a:endParaRPr>
+            </a:p>
+          </p:txBody>
+        </p:sp>
+      </p:grpSp>
+      <p:grpSp>
+        <p:nvGrpSpPr>
+          <p:cNvPr id="92" name="그룹 91">
+            <a:extLst>
+              <a:ext uri="{FF2B5EF4-FFF2-40B4-BE49-F238E27FC236}">
+                <a16:creationId xmlns:a16="http://schemas.microsoft.com/office/drawing/2014/main" id="{31B19461-59C6-CC6B-E009-F17F4AE0A481}"/>
+              </a:ext>
+            </a:extLst>
+          </p:cNvPr>
+          <p:cNvGrpSpPr/>
+          <p:nvPr/>
+        </p:nvGrpSpPr>
+        <p:grpSpPr>
+          <a:xfrm>
+            <a:off x="2589367" y="5841973"/>
+            <a:ext cx="2140956" cy="926796"/>
+            <a:chOff x="4579796" y="490654"/>
+            <a:chExt cx="1854458" cy="1027357"/>
+          </a:xfrm>
+          <a:solidFill>
+            <a:schemeClr val="accent6">
+              <a:lumMod val="40000"/>
+              <a:lumOff val="60000"/>
+            </a:schemeClr>
+          </a:solidFill>
+        </p:grpSpPr>
+        <p:sp>
+          <p:nvSpPr>
+            <p:cNvPr id="93" name="직사각형 92">
+              <a:extLst>
+                <a:ext uri="{FF2B5EF4-FFF2-40B4-BE49-F238E27FC236}">
+                  <a16:creationId xmlns:a16="http://schemas.microsoft.com/office/drawing/2014/main" id="{376ECE3E-1A21-3CCD-BB9A-0D5B76B34E95}"/>
+                </a:ext>
+              </a:extLst>
+            </p:cNvPr>
+            <p:cNvSpPr/>
+            <p:nvPr/>
+          </p:nvSpPr>
+          <p:spPr>
+            <a:xfrm>
+              <a:off x="4588964" y="1028503"/>
+              <a:ext cx="1836123" cy="489508"/>
+            </a:xfrm>
+            <a:prstGeom prst="rect">
+              <a:avLst/>
+            </a:prstGeom>
+            <a:solidFill>
+              <a:schemeClr val="accent1">
+                <a:lumMod val="20000"/>
+                <a:lumOff val="80000"/>
+              </a:schemeClr>
+            </a:solidFill>
+            <a:ln>
+              <a:solidFill>
+                <a:schemeClr val="accent1">
+                  <a:lumMod val="75000"/>
+                </a:schemeClr>
+              </a:solidFill>
+            </a:ln>
+          </p:spPr>
+          <p:style>
+            <a:lnRef idx="2">
+              <a:schemeClr val="accent1">
+                <a:shade val="50000"/>
+              </a:schemeClr>
+            </a:lnRef>
+            <a:fillRef idx="1">
+              <a:schemeClr val="accent1"/>
+            </a:fillRef>
+            <a:effectRef idx="0">
+              <a:schemeClr val="accent1"/>
+            </a:effectRef>
+            <a:fontRef idx="minor">
+              <a:schemeClr val="lt1"/>
+            </a:fontRef>
+          </p:style>
+          <p:txBody>
+            <a:bodyPr rtlCol="0" anchor="ctr"/>
+            <a:lstStyle/>
+            <a:p>
+              <a:pPr algn="ctr"/>
+              <a:r>
+                <a:rPr lang="ko-KR" altLang="en-US" dirty="0">
+                  <a:solidFill>
+                    <a:schemeClr val="tx1"/>
+                  </a:solidFill>
+                </a:rPr>
+                <a:t>저장한 게시글</a:t>
+              </a:r>
+              <a:endParaRPr lang="en-US" altLang="ko-KR" dirty="0">
+                <a:solidFill>
+                  <a:schemeClr val="tx1"/>
+                </a:solidFill>
+              </a:endParaRPr>
+            </a:p>
+          </p:txBody>
+        </p:sp>
+        <p:sp>
+          <p:nvSpPr>
+            <p:cNvPr id="94" name="직사각형 93">
+              <a:extLst>
+                <a:ext uri="{FF2B5EF4-FFF2-40B4-BE49-F238E27FC236}">
+                  <a16:creationId xmlns:a16="http://schemas.microsoft.com/office/drawing/2014/main" id="{ED77D83D-4CFD-915E-780E-23152A50B44D}"/>
+                </a:ext>
+              </a:extLst>
+            </p:cNvPr>
+            <p:cNvSpPr/>
+            <p:nvPr/>
+          </p:nvSpPr>
+          <p:spPr>
+            <a:xfrm>
+              <a:off x="4579796" y="490654"/>
+              <a:ext cx="1854458" cy="526159"/>
+            </a:xfrm>
+            <a:prstGeom prst="rect">
+              <a:avLst/>
+            </a:prstGeom>
+            <a:solidFill>
+              <a:srgbClr val="4472C4"/>
+            </a:solidFill>
+            <a:ln>
+              <a:solidFill>
+                <a:schemeClr val="accent1">
+                  <a:lumMod val="75000"/>
+                </a:schemeClr>
+              </a:solidFill>
+            </a:ln>
+          </p:spPr>
+          <p:style>
+            <a:lnRef idx="2">
+              <a:schemeClr val="accent1">
+                <a:shade val="50000"/>
+              </a:schemeClr>
+            </a:lnRef>
+            <a:fillRef idx="1">
+              <a:schemeClr val="accent1"/>
+            </a:fillRef>
+            <a:effectRef idx="0">
+              <a:schemeClr val="accent1"/>
+            </a:effectRef>
+            <a:fontRef idx="minor">
+              <a:schemeClr val="lt1"/>
+            </a:fontRef>
+          </p:style>
+          <p:txBody>
+            <a:bodyPr rtlCol="0" anchor="ctr"/>
+            <a:lstStyle/>
+            <a:p>
+              <a:pPr algn="ctr"/>
+              <a:r>
+                <a:rPr lang="en-US" altLang="ko-KR" dirty="0" err="1">
+                  <a:solidFill>
+                    <a:schemeClr val="bg1"/>
+                  </a:solidFill>
+                </a:rPr>
+                <a:t>memberSaved.jsp</a:t>
+              </a:r>
+              <a:endParaRPr lang="en-US" altLang="ko-KR" dirty="0">
+                <a:solidFill>
+                  <a:schemeClr val="bg1"/>
+                </a:solidFill>
+              </a:endParaRPr>
+            </a:p>
+          </p:txBody>
+        </p:sp>
+      </p:grpSp>
     </p:spTree>
     <p:extLst>
       <p:ext uri="{BB962C8B-B14F-4D97-AF65-F5344CB8AC3E}">
